--- a/GreenPulseRNN_Samat Kabdygali.pptx
+++ b/GreenPulseRNN_Samat Kabdygali.pptx
@@ -5,7 +5,7 @@
     <p:sldMasterId id="2147483659" r:id="rId1"/>
   </p:sldMasterIdLst>
   <p:notesMasterIdLst>
-    <p:notesMasterId r:id="rId15"/>
+    <p:notesMasterId r:id="rId14"/>
   </p:notesMasterIdLst>
   <p:sldIdLst>
     <p:sldId id="256" r:id="rId2"/>
@@ -20,17 +20,16 @@
     <p:sldId id="274" r:id="rId11"/>
     <p:sldId id="275" r:id="rId12"/>
     <p:sldId id="276" r:id="rId13"/>
-    <p:sldId id="277" r:id="rId14"/>
   </p:sldIdLst>
   <p:sldSz cx="9144000" cy="5143500" type="screen16x9"/>
   <p:notesSz cx="6858000" cy="9144000"/>
   <p:embeddedFontLst>
     <p:embeddedFont>
       <p:font typeface="Proxima Nova" panose="020B0604020202020204" charset="0"/>
-      <p:regular r:id="rId16"/>
-      <p:bold r:id="rId17"/>
-      <p:italic r:id="rId18"/>
-      <p:boldItalic r:id="rId19"/>
+      <p:regular r:id="rId15"/>
+      <p:bold r:id="rId16"/>
+      <p:italic r:id="rId17"/>
+      <p:boldItalic r:id="rId18"/>
     </p:embeddedFont>
   </p:embeddedFontLst>
   <p:defaultTextStyle>
@@ -265,12 +264,12 @@
   <p:extLst>
     <p:ext uri="{EFAFB233-063F-42B5-8137-9DF3F51BA10A}">
       <p15:sldGuideLst xmlns:p15="http://schemas.microsoft.com/office/powerpoint/2012/main">
-        <p15:guide id="1" orient="horz" pos="1620">
+        <p15:guide id="1" orient="horz" pos="1620" userDrawn="1">
           <p15:clr>
             <a:srgbClr val="747775"/>
           </p15:clr>
         </p15:guide>
-        <p15:guide id="2" pos="2880">
+        <p15:guide id="2" pos="2880" userDrawn="1">
           <p15:clr>
             <a:srgbClr val="747775"/>
           </p15:clr>
@@ -1111,7 +1110,11 @@
         <a:p>
           <a:r>
             <a:rPr lang="en-US" dirty="0" smtClean="0"/>
-            <a:t>Data Engineering</a:t>
+            <a:t>Feature </a:t>
+          </a:r>
+          <a:r>
+            <a:rPr lang="en-US" dirty="0" smtClean="0"/>
+            <a:t>Engineering</a:t>
           </a:r>
           <a:endParaRPr lang="ru-RU" dirty="0"/>
         </a:p>
@@ -1752,6 +1755,13 @@
         </dgm:presLayoutVars>
       </dgm:prSet>
       <dgm:spPr/>
+      <dgm:t>
+        <a:bodyPr/>
+        <a:lstStyle/>
+        <a:p>
+          <a:endParaRPr lang="ru-RU"/>
+        </a:p>
+      </dgm:t>
     </dgm:pt>
     <dgm:pt modelId="{1313F734-C22D-41AD-A43A-541DC6048E16}" type="pres">
       <dgm:prSet presAssocID="{FAB44023-4139-47F2-8FEB-9C5850C3C298}" presName="composite" presStyleCnt="0"/>
@@ -1786,7 +1796,7 @@
       </dgm:t>
     </dgm:pt>
     <dgm:pt modelId="{D216D55F-A58E-40C1-9D01-2CAB185025DE}" type="pres">
-      <dgm:prSet presAssocID="{FAB44023-4139-47F2-8FEB-9C5850C3C298}" presName="desTx" presStyleLbl="fgAcc1" presStyleIdx="0" presStyleCnt="5">
+      <dgm:prSet presAssocID="{FAB44023-4139-47F2-8FEB-9C5850C3C298}" presName="desTx" presStyleLbl="fgAcc1" presStyleIdx="0" presStyleCnt="5" custLinFactNeighborX="-20925" custLinFactNeighborY="11289">
         <dgm:presLayoutVars>
           <dgm:bulletEnabled val="1"/>
         </dgm:presLayoutVars>
@@ -1803,10 +1813,24 @@
     <dgm:pt modelId="{C27441F6-A053-41B7-883A-28A4C2A8A0AA}" type="pres">
       <dgm:prSet presAssocID="{4E59BAD1-99C0-409E-859F-F1B3B098EE71}" presName="sibTrans" presStyleLbl="sibTrans2D1" presStyleIdx="0" presStyleCnt="4"/>
       <dgm:spPr/>
+      <dgm:t>
+        <a:bodyPr/>
+        <a:lstStyle/>
+        <a:p>
+          <a:endParaRPr lang="ru-RU"/>
+        </a:p>
+      </dgm:t>
     </dgm:pt>
     <dgm:pt modelId="{D2610E54-E0B5-4D49-81A8-D68038394924}" type="pres">
       <dgm:prSet presAssocID="{4E59BAD1-99C0-409E-859F-F1B3B098EE71}" presName="connTx" presStyleLbl="sibTrans2D1" presStyleIdx="0" presStyleCnt="4"/>
       <dgm:spPr/>
+      <dgm:t>
+        <a:bodyPr/>
+        <a:lstStyle/>
+        <a:p>
+          <a:endParaRPr lang="ru-RU"/>
+        </a:p>
+      </dgm:t>
     </dgm:pt>
     <dgm:pt modelId="{E8E5CA90-A6D4-4C71-BE26-0337063DD050}" type="pres">
       <dgm:prSet presAssocID="{37ACDA70-61D2-454B-A75C-9194B878A515}" presName="composite" presStyleCnt="0"/>
@@ -1830,7 +1854,7 @@
       </dgm:t>
     </dgm:pt>
     <dgm:pt modelId="{B974A674-3070-4C52-A464-822B475A287A}" type="pres">
-      <dgm:prSet presAssocID="{37ACDA70-61D2-454B-A75C-9194B878A515}" presName="parSh" presStyleLbl="node1" presStyleIdx="1" presStyleCnt="5"/>
+      <dgm:prSet presAssocID="{37ACDA70-61D2-454B-A75C-9194B878A515}" presName="parSh" presStyleLbl="node1" presStyleIdx="1" presStyleCnt="5" custLinFactNeighborX="601" custLinFactNeighborY="-3688"/>
       <dgm:spPr/>
       <dgm:t>
         <a:bodyPr/>
@@ -1841,7 +1865,7 @@
       </dgm:t>
     </dgm:pt>
     <dgm:pt modelId="{FE51F023-C267-47E4-941D-6458054B77E6}" type="pres">
-      <dgm:prSet presAssocID="{37ACDA70-61D2-454B-A75C-9194B878A515}" presName="desTx" presStyleLbl="fgAcc1" presStyleIdx="1" presStyleCnt="5">
+      <dgm:prSet presAssocID="{37ACDA70-61D2-454B-A75C-9194B878A515}" presName="desTx" presStyleLbl="fgAcc1" presStyleIdx="1" presStyleCnt="5" custLinFactNeighborX="-19230" custLinFactNeighborY="9879">
         <dgm:presLayoutVars>
           <dgm:bulletEnabled val="1"/>
         </dgm:presLayoutVars>
@@ -1858,10 +1882,24 @@
     <dgm:pt modelId="{5A713F35-B3D0-4CE2-97A1-405BFE89E9C2}" type="pres">
       <dgm:prSet presAssocID="{AD7295E6-9B3D-45B8-B8CD-C455C2613356}" presName="sibTrans" presStyleLbl="sibTrans2D1" presStyleIdx="1" presStyleCnt="4"/>
       <dgm:spPr/>
+      <dgm:t>
+        <a:bodyPr/>
+        <a:lstStyle/>
+        <a:p>
+          <a:endParaRPr lang="ru-RU"/>
+        </a:p>
+      </dgm:t>
     </dgm:pt>
     <dgm:pt modelId="{8493C225-EC24-4700-90FD-E33471F5444B}" type="pres">
       <dgm:prSet presAssocID="{AD7295E6-9B3D-45B8-B8CD-C455C2613356}" presName="connTx" presStyleLbl="sibTrans2D1" presStyleIdx="1" presStyleCnt="4"/>
       <dgm:spPr/>
+      <dgm:t>
+        <a:bodyPr/>
+        <a:lstStyle/>
+        <a:p>
+          <a:endParaRPr lang="ru-RU"/>
+        </a:p>
+      </dgm:t>
     </dgm:pt>
     <dgm:pt modelId="{3C04A873-7DAF-41D0-ABC3-D6798273D3E3}" type="pres">
       <dgm:prSet presAssocID="{5478C8C3-2D55-40D9-AACE-2DDEF57BAB71}" presName="composite" presStyleCnt="0"/>
@@ -1876,13 +1914,27 @@
         </dgm:presLayoutVars>
       </dgm:prSet>
       <dgm:spPr/>
+      <dgm:t>
+        <a:bodyPr/>
+        <a:lstStyle/>
+        <a:p>
+          <a:endParaRPr lang="ru-RU"/>
+        </a:p>
+      </dgm:t>
     </dgm:pt>
     <dgm:pt modelId="{1CD55E2F-D825-4E1D-A643-E54AC3637FA2}" type="pres">
       <dgm:prSet presAssocID="{5478C8C3-2D55-40D9-AACE-2DDEF57BAB71}" presName="parSh" presStyleLbl="node1" presStyleIdx="2" presStyleCnt="5"/>
       <dgm:spPr/>
+      <dgm:t>
+        <a:bodyPr/>
+        <a:lstStyle/>
+        <a:p>
+          <a:endParaRPr lang="ru-RU"/>
+        </a:p>
+      </dgm:t>
     </dgm:pt>
     <dgm:pt modelId="{033D844C-8F89-4A7C-8235-C6AE33976861}" type="pres">
-      <dgm:prSet presAssocID="{5478C8C3-2D55-40D9-AACE-2DDEF57BAB71}" presName="desTx" presStyleLbl="fgAcc1" presStyleIdx="2" presStyleCnt="5">
+      <dgm:prSet presAssocID="{5478C8C3-2D55-40D9-AACE-2DDEF57BAB71}" presName="desTx" presStyleLbl="fgAcc1" presStyleIdx="2" presStyleCnt="5" custLinFactNeighborX="-19935" custLinFactNeighborY="12230">
         <dgm:presLayoutVars>
           <dgm:bulletEnabled val="1"/>
         </dgm:presLayoutVars>
@@ -1899,10 +1951,24 @@
     <dgm:pt modelId="{542F45DD-8824-4108-80AA-C4E325629219}" type="pres">
       <dgm:prSet presAssocID="{E79DA4AD-92CD-4420-A956-A9D40262CDBA}" presName="sibTrans" presStyleLbl="sibTrans2D1" presStyleIdx="2" presStyleCnt="4"/>
       <dgm:spPr/>
+      <dgm:t>
+        <a:bodyPr/>
+        <a:lstStyle/>
+        <a:p>
+          <a:endParaRPr lang="ru-RU"/>
+        </a:p>
+      </dgm:t>
     </dgm:pt>
     <dgm:pt modelId="{2A97A06F-D045-4148-9245-840FAB168A10}" type="pres">
       <dgm:prSet presAssocID="{E79DA4AD-92CD-4420-A956-A9D40262CDBA}" presName="connTx" presStyleLbl="sibTrans2D1" presStyleIdx="2" presStyleCnt="4"/>
       <dgm:spPr/>
+      <dgm:t>
+        <a:bodyPr/>
+        <a:lstStyle/>
+        <a:p>
+          <a:endParaRPr lang="ru-RU"/>
+        </a:p>
+      </dgm:t>
     </dgm:pt>
     <dgm:pt modelId="{253FE8EC-069A-4104-B715-07FDD3887236}" type="pres">
       <dgm:prSet presAssocID="{AF328AA4-414B-4394-BDFB-BBC5D427B166}" presName="composite" presStyleCnt="0"/>
@@ -1937,7 +2003,7 @@
       </dgm:t>
     </dgm:pt>
     <dgm:pt modelId="{C3BB4C05-FE24-47ED-9169-7CEEEA38BCD7}" type="pres">
-      <dgm:prSet presAssocID="{AF328AA4-414B-4394-BDFB-BBC5D427B166}" presName="desTx" presStyleLbl="fgAcc1" presStyleIdx="3" presStyleCnt="5">
+      <dgm:prSet presAssocID="{AF328AA4-414B-4394-BDFB-BBC5D427B166}" presName="desTx" presStyleLbl="fgAcc1" presStyleIdx="3" presStyleCnt="5" custLinFactNeighborX="-23437" custLinFactNeighborY="12701">
         <dgm:presLayoutVars>
           <dgm:bulletEnabled val="1"/>
         </dgm:presLayoutVars>
@@ -1954,10 +2020,24 @@
     <dgm:pt modelId="{AD21DE24-87B3-4B00-A8C4-689114D35182}" type="pres">
       <dgm:prSet presAssocID="{FDB9DA3B-AE65-49B3-B377-CCBEF9E84700}" presName="sibTrans" presStyleLbl="sibTrans2D1" presStyleIdx="3" presStyleCnt="4"/>
       <dgm:spPr/>
+      <dgm:t>
+        <a:bodyPr/>
+        <a:lstStyle/>
+        <a:p>
+          <a:endParaRPr lang="ru-RU"/>
+        </a:p>
+      </dgm:t>
     </dgm:pt>
     <dgm:pt modelId="{D6558623-B95A-498E-A914-FDB8AD32F01A}" type="pres">
       <dgm:prSet presAssocID="{FDB9DA3B-AE65-49B3-B377-CCBEF9E84700}" presName="connTx" presStyleLbl="sibTrans2D1" presStyleIdx="3" presStyleCnt="4"/>
       <dgm:spPr/>
+      <dgm:t>
+        <a:bodyPr/>
+        <a:lstStyle/>
+        <a:p>
+          <a:endParaRPr lang="ru-RU"/>
+        </a:p>
+      </dgm:t>
     </dgm:pt>
     <dgm:pt modelId="{CE75A8FD-7B60-4A55-AB1F-B2319E6321FF}" type="pres">
       <dgm:prSet presAssocID="{A4ADB297-8442-4970-BD1A-9C6737E91E22}" presName="composite" presStyleCnt="0"/>
@@ -1992,7 +2072,7 @@
       </dgm:t>
     </dgm:pt>
     <dgm:pt modelId="{FD60CA26-42B7-490E-90E8-2746FB76AEC3}" type="pres">
-      <dgm:prSet presAssocID="{A4ADB297-8442-4970-BD1A-9C6737E91E22}" presName="desTx" presStyleLbl="fgAcc1" presStyleIdx="4" presStyleCnt="5">
+      <dgm:prSet presAssocID="{A4ADB297-8442-4970-BD1A-9C6737E91E22}" presName="desTx" presStyleLbl="fgAcc1" presStyleIdx="4" presStyleCnt="5" custLinFactNeighborX="-21033" custLinFactNeighborY="13171">
         <dgm:presLayoutVars>
           <dgm:bulletEnabled val="1"/>
         </dgm:presLayoutVars>
@@ -2011,8 +2091,8 @@
     <dgm:cxn modelId="{3766167F-391F-4E26-A2AB-48BB3DA9AF2E}" type="presOf" srcId="{51B07600-E60B-4C20-8600-B1FD4FB13436}" destId="{FE51F023-C267-47E4-941D-6458054B77E6}" srcOrd="0" destOrd="0" presId="urn:microsoft.com/office/officeart/2005/8/layout/process3"/>
     <dgm:cxn modelId="{8AA682AF-127E-4896-BC31-69D267774918}" type="presOf" srcId="{37ACDA70-61D2-454B-A75C-9194B878A515}" destId="{B974A674-3070-4C52-A464-822B475A287A}" srcOrd="1" destOrd="0" presId="urn:microsoft.com/office/officeart/2005/8/layout/process3"/>
     <dgm:cxn modelId="{A4B5A060-593F-4048-803F-CFD13FC08C42}" type="presOf" srcId="{E79DA4AD-92CD-4420-A956-A9D40262CDBA}" destId="{542F45DD-8824-4108-80AA-C4E325629219}" srcOrd="0" destOrd="0" presId="urn:microsoft.com/office/officeart/2005/8/layout/process3"/>
+    <dgm:cxn modelId="{0FF8B959-86E2-458E-A388-4EF36291FF21}" srcId="{FAB44023-4139-47F2-8FEB-9C5850C3C298}" destId="{6159461A-CEAA-46F4-B4FB-53D0BAD8359A}" srcOrd="1" destOrd="0" parTransId="{4E1579D7-7606-4394-ADEE-4B4E493E654F}" sibTransId="{D1795971-58F4-4E8D-A4FC-509992EF8C98}"/>
     <dgm:cxn modelId="{20C19B90-8D4F-4D0A-BAB1-1718C65E0DE6}" type="presOf" srcId="{E79DA4AD-92CD-4420-A956-A9D40262CDBA}" destId="{2A97A06F-D045-4148-9245-840FAB168A10}" srcOrd="1" destOrd="0" presId="urn:microsoft.com/office/officeart/2005/8/layout/process3"/>
-    <dgm:cxn modelId="{0FF8B959-86E2-458E-A388-4EF36291FF21}" srcId="{FAB44023-4139-47F2-8FEB-9C5850C3C298}" destId="{6159461A-CEAA-46F4-B4FB-53D0BAD8359A}" srcOrd="1" destOrd="0" parTransId="{4E1579D7-7606-4394-ADEE-4B4E493E654F}" sibTransId="{D1795971-58F4-4E8D-A4FC-509992EF8C98}"/>
     <dgm:cxn modelId="{DB49A19A-9353-4CB5-9C94-FCF83255F4C7}" type="presOf" srcId="{EA53672C-9E66-4057-A02A-5BF799A48E7F}" destId="{C3BB4C05-FE24-47ED-9169-7CEEEA38BCD7}" srcOrd="0" destOrd="0" presId="urn:microsoft.com/office/officeart/2005/8/layout/process3"/>
     <dgm:cxn modelId="{F918AE58-8877-4298-B2C9-EA4C62447876}" type="presOf" srcId="{6159461A-CEAA-46F4-B4FB-53D0BAD8359A}" destId="{D216D55F-A58E-40C1-9D01-2CAB185025DE}" srcOrd="0" destOrd="1" presId="urn:microsoft.com/office/officeart/2005/8/layout/process3"/>
     <dgm:cxn modelId="{C47D973E-5762-426E-A877-858C0E1A9B10}" type="presOf" srcId="{FAB44023-4139-47F2-8FEB-9C5850C3C298}" destId="{E0F8988C-CBCB-485A-94B1-206F71884315}" srcOrd="0" destOrd="0" presId="urn:microsoft.com/office/officeart/2005/8/layout/process3"/>
@@ -2041,13 +2121,13 @@
     <dgm:cxn modelId="{291D8B85-7393-4207-B435-1B7A847334FB}" type="presOf" srcId="{5478C8C3-2D55-40D9-AACE-2DDEF57BAB71}" destId="{1CD55E2F-D825-4E1D-A643-E54AC3637FA2}" srcOrd="1" destOrd="0" presId="urn:microsoft.com/office/officeart/2005/8/layout/process3"/>
     <dgm:cxn modelId="{1F7B2477-8BC2-4478-A778-EFD4B8AB5E64}" type="presOf" srcId="{168A1697-E047-4B2E-90BF-3DBFD058B4D3}" destId="{FD60CA26-42B7-490E-90E8-2746FB76AEC3}" srcOrd="0" destOrd="1" presId="urn:microsoft.com/office/officeart/2005/8/layout/process3"/>
     <dgm:cxn modelId="{3609AD1F-0AD5-470D-B8BC-DA6E507BEB75}" type="presOf" srcId="{FAB44023-4139-47F2-8FEB-9C5850C3C298}" destId="{FE0DB861-5492-458B-ABB1-AE45E46AB802}" srcOrd="1" destOrd="0" presId="urn:microsoft.com/office/officeart/2005/8/layout/process3"/>
+    <dgm:cxn modelId="{AC177138-0082-4E08-BA57-9556D7E88A74}" type="presOf" srcId="{BCE9262A-04B6-4B69-A655-2AFB77C457B0}" destId="{C3BB4C05-FE24-47ED-9169-7CEEEA38BCD7}" srcOrd="0" destOrd="1" presId="urn:microsoft.com/office/officeart/2005/8/layout/process3"/>
     <dgm:cxn modelId="{8E23494E-58C9-4A45-AB0F-EC1854573978}" srcId="{25AD39E4-0201-4B1E-8B88-CA058DA6F2A9}" destId="{AF328AA4-414B-4394-BDFB-BBC5D427B166}" srcOrd="3" destOrd="0" parTransId="{4E3D0DC3-D70E-41FE-88AC-440A16E37DFE}" sibTransId="{FDB9DA3B-AE65-49B3-B377-CCBEF9E84700}"/>
-    <dgm:cxn modelId="{AC177138-0082-4E08-BA57-9556D7E88A74}" type="presOf" srcId="{BCE9262A-04B6-4B69-A655-2AFB77C457B0}" destId="{C3BB4C05-FE24-47ED-9169-7CEEEA38BCD7}" srcOrd="0" destOrd="1" presId="urn:microsoft.com/office/officeart/2005/8/layout/process3"/>
     <dgm:cxn modelId="{FB99E0F6-2D5A-4E44-883C-E570981269BA}" type="presOf" srcId="{FEF26765-F8D4-4A06-B26C-683DA89195F3}" destId="{033D844C-8F89-4A7C-8235-C6AE33976861}" srcOrd="0" destOrd="0" presId="urn:microsoft.com/office/officeart/2005/8/layout/process3"/>
     <dgm:cxn modelId="{1DD681F2-02DD-4434-9151-72F8B7381E3C}" srcId="{25AD39E4-0201-4B1E-8B88-CA058DA6F2A9}" destId="{37ACDA70-61D2-454B-A75C-9194B878A515}" srcOrd="1" destOrd="0" parTransId="{B676B838-33B6-44FF-8899-8876444A5CB0}" sibTransId="{AD7295E6-9B3D-45B8-B8CD-C455C2613356}"/>
     <dgm:cxn modelId="{D313D36B-BAED-491B-8AFE-85F50E40EE40}" type="presOf" srcId="{D99127B3-2B09-4686-AF3B-27C5A770DDAE}" destId="{033D844C-8F89-4A7C-8235-C6AE33976861}" srcOrd="0" destOrd="1" presId="urn:microsoft.com/office/officeart/2005/8/layout/process3"/>
+    <dgm:cxn modelId="{894E8A2E-8045-4AB5-BCAE-C4E9C831C276}" srcId="{AF328AA4-414B-4394-BDFB-BBC5D427B166}" destId="{EA53672C-9E66-4057-A02A-5BF799A48E7F}" srcOrd="0" destOrd="0" parTransId="{8CD46B2A-92FE-4701-B2FC-D56A0D14CA2D}" sibTransId="{189901CA-B44D-4478-9269-29D3CA939852}"/>
     <dgm:cxn modelId="{81955C1D-0DEA-4574-8F8B-2D46B6B6C14F}" type="presOf" srcId="{25AD39E4-0201-4B1E-8B88-CA058DA6F2A9}" destId="{49CDC136-B753-4885-863D-89971E5EC81C}" srcOrd="0" destOrd="0" presId="urn:microsoft.com/office/officeart/2005/8/layout/process3"/>
-    <dgm:cxn modelId="{894E8A2E-8045-4AB5-BCAE-C4E9C831C276}" srcId="{AF328AA4-414B-4394-BDFB-BBC5D427B166}" destId="{EA53672C-9E66-4057-A02A-5BF799A48E7F}" srcOrd="0" destOrd="0" parTransId="{8CD46B2A-92FE-4701-B2FC-D56A0D14CA2D}" sibTransId="{189901CA-B44D-4478-9269-29D3CA939852}"/>
     <dgm:cxn modelId="{D91F333B-502D-4561-AA7F-ECAD92D45477}" type="presOf" srcId="{AF328AA4-414B-4394-BDFB-BBC5D427B166}" destId="{32DEF38F-3A33-4183-AB12-35C89EE8A3C1}" srcOrd="0" destOrd="0" presId="urn:microsoft.com/office/officeart/2005/8/layout/process3"/>
     <dgm:cxn modelId="{29E14D9B-EF50-4E2A-B7F6-2B9083879284}" type="presOf" srcId="{5478C8C3-2D55-40D9-AACE-2DDEF57BAB71}" destId="{4BCC81EC-C3A5-4224-871E-D068D700E475}" srcOrd="0" destOrd="0" presId="urn:microsoft.com/office/officeart/2005/8/layout/process3"/>
     <dgm:cxn modelId="{56828F84-474A-413E-995D-E44A33BEB4EB}" srcId="{37ACDA70-61D2-454B-A75C-9194B878A515}" destId="{51B07600-E60B-4C20-8600-B1FD4FB13436}" srcOrd="0" destOrd="0" parTransId="{D16C134E-4DED-422F-B01C-2F5D13A0B199}" sibTransId="{38953D56-0FB1-4E0E-A2D3-C853E9CF1B19}"/>
@@ -2110,8 +2190,8 @@
       </dsp:nvSpPr>
       <dsp:spPr>
         <a:xfrm>
-          <a:off x="5060" y="1650818"/>
-          <a:ext cx="1141702" cy="558510"/>
+          <a:off x="5070" y="638466"/>
+          <a:ext cx="1144065" cy="559219"/>
         </a:xfrm>
         <a:prstGeom prst="roundRect">
           <a:avLst>
@@ -2173,14 +2253,18 @@
           </a:pPr>
           <a:r>
             <a:rPr lang="en-US" sz="1000" kern="1200" dirty="0" smtClean="0"/>
-            <a:t>Data Engineering</a:t>
+            <a:t>Feature </a:t>
+          </a:r>
+          <a:r>
+            <a:rPr lang="en-US" sz="1000" kern="1200" dirty="0" smtClean="0"/>
+            <a:t>Engineering</a:t>
           </a:r>
           <a:endParaRPr lang="ru-RU" sz="1000" kern="1200" dirty="0"/>
         </a:p>
       </dsp:txBody>
       <dsp:txXfrm>
-        <a:off x="5060" y="1650818"/>
-        <a:ext cx="1141702" cy="372340"/>
+        <a:off x="5070" y="638466"/>
+        <a:ext cx="1144065" cy="372813"/>
       </dsp:txXfrm>
     </dsp:sp>
     <dsp:sp modelId="{D216D55F-A58E-40C1-9D01-2CAB185025DE}">
@@ -2190,8 +2274,8 @@
       </dsp:nvSpPr>
       <dsp:spPr>
         <a:xfrm>
-          <a:off x="238902" y="2023158"/>
-          <a:ext cx="1141702" cy="1461585"/>
+          <a:off x="1" y="1176277"/>
+          <a:ext cx="1144065" cy="1461585"/>
         </a:xfrm>
         <a:prstGeom prst="roundRect">
           <a:avLst>
@@ -2278,8 +2362,8 @@
         </a:p>
       </dsp:txBody>
       <dsp:txXfrm>
-        <a:off x="272341" y="2056597"/>
-        <a:ext cx="1074824" cy="1394707"/>
+        <a:off x="33510" y="1209786"/>
+        <a:ext cx="1077047" cy="1394567"/>
       </dsp:txXfrm>
     </dsp:sp>
     <dsp:sp modelId="{C27441F6-A053-41B7-883A-28A4C2A8A0AA}">
@@ -2288,9 +2372,9 @@
         <dsp:cNvSpPr/>
       </dsp:nvSpPr>
       <dsp:spPr>
-        <a:xfrm>
-          <a:off x="1319840" y="1694863"/>
-          <a:ext cx="366925" cy="284250"/>
+        <a:xfrm rot="21561567">
+          <a:off x="1324279" y="672023"/>
+          <a:ext cx="371352" cy="284839"/>
         </a:xfrm>
         <a:prstGeom prst="rightArrow">
           <a:avLst>
@@ -2347,8 +2431,8 @@
         </a:p>
       </dsp:txBody>
       <dsp:txXfrm>
-        <a:off x="1319840" y="1751713"/>
-        <a:ext cx="281650" cy="170550"/>
+        <a:off x="1324282" y="729469"/>
+        <a:ext cx="285900" cy="170903"/>
       </dsp:txXfrm>
     </dsp:sp>
     <dsp:sp modelId="{B974A674-3070-4C52-A464-822B475A287A}">
@@ -2358,8 +2442,8 @@
       </dsp:nvSpPr>
       <dsp:spPr>
         <a:xfrm>
-          <a:off x="1839074" y="1650818"/>
-          <a:ext cx="1141702" cy="558510"/>
+          <a:off x="1849756" y="617842"/>
+          <a:ext cx="1144065" cy="559219"/>
         </a:xfrm>
         <a:prstGeom prst="roundRect">
           <a:avLst>
@@ -2427,8 +2511,8 @@
         </a:p>
       </dsp:txBody>
       <dsp:txXfrm>
-        <a:off x="1839074" y="1650818"/>
-        <a:ext cx="1141702" cy="372340"/>
+        <a:off x="1849756" y="617842"/>
+        <a:ext cx="1144065" cy="372813"/>
       </dsp:txXfrm>
     </dsp:sp>
     <dsp:sp modelId="{FE51F023-C267-47E4-941D-6458054B77E6}">
@@ -2438,8 +2522,8 @@
       </dsp:nvSpPr>
       <dsp:spPr>
         <a:xfrm>
-          <a:off x="2072917" y="2023158"/>
-          <a:ext cx="1141702" cy="1461585"/>
+          <a:off x="1857203" y="1155669"/>
+          <a:ext cx="1144065" cy="1461585"/>
         </a:xfrm>
         <a:prstGeom prst="roundRect">
           <a:avLst>
@@ -2549,8 +2633,8 @@
         </a:p>
       </dsp:txBody>
       <dsp:txXfrm>
-        <a:off x="2106356" y="2056597"/>
-        <a:ext cx="1074824" cy="1394707"/>
+        <a:off x="1890712" y="1189178"/>
+        <a:ext cx="1077047" cy="1394567"/>
       </dsp:txXfrm>
     </dsp:sp>
     <dsp:sp modelId="{5A713F35-B3D0-4CE2-97A1-405BFE89E9C2}">
@@ -2559,9 +2643,9 @@
         <dsp:cNvSpPr/>
       </dsp:nvSpPr>
       <dsp:spPr>
-        <a:xfrm>
-          <a:off x="3153855" y="1694863"/>
-          <a:ext cx="366925" cy="284250"/>
+        <a:xfrm rot="38722">
+          <a:off x="3165527" y="672257"/>
+          <a:ext cx="364063" cy="284839"/>
         </a:xfrm>
         <a:prstGeom prst="rightArrow">
           <a:avLst>
@@ -2618,8 +2702,8 @@
         </a:p>
       </dsp:txBody>
       <dsp:txXfrm>
-        <a:off x="3153855" y="1751713"/>
-        <a:ext cx="281650" cy="170550"/>
+        <a:off x="3165530" y="728744"/>
+        <a:ext cx="278611" cy="170903"/>
       </dsp:txXfrm>
     </dsp:sp>
     <dsp:sp modelId="{1CD55E2F-D825-4E1D-A643-E54AC3637FA2}">
@@ -2629,8 +2713,8 @@
       </dsp:nvSpPr>
       <dsp:spPr>
         <a:xfrm>
-          <a:off x="3673089" y="1650818"/>
-          <a:ext cx="1141702" cy="558510"/>
+          <a:off x="3680690" y="638466"/>
+          <a:ext cx="1144065" cy="559219"/>
         </a:xfrm>
         <a:prstGeom prst="roundRect">
           <a:avLst>
@@ -2698,8 +2782,8 @@
         </a:p>
       </dsp:txBody>
       <dsp:txXfrm>
-        <a:off x="3673089" y="1650818"/>
-        <a:ext cx="1141702" cy="372340"/>
+        <a:off x="3680690" y="638466"/>
+        <a:ext cx="1144065" cy="372813"/>
       </dsp:txXfrm>
     </dsp:sp>
     <dsp:sp modelId="{033D844C-8F89-4A7C-8235-C6AE33976861}">
@@ -2709,8 +2793,8 @@
       </dsp:nvSpPr>
       <dsp:spPr>
         <a:xfrm>
-          <a:off x="3906932" y="2023158"/>
-          <a:ext cx="1141702" cy="1461585"/>
+          <a:off x="3686947" y="1190031"/>
+          <a:ext cx="1144065" cy="1461585"/>
         </a:xfrm>
         <a:prstGeom prst="roundRect">
           <a:avLst>
@@ -2824,8 +2908,8 @@
         </a:p>
       </dsp:txBody>
       <dsp:txXfrm>
-        <a:off x="3940371" y="2056597"/>
-        <a:ext cx="1074824" cy="1394707"/>
+        <a:off x="3720456" y="1223540"/>
+        <a:ext cx="1077047" cy="1394567"/>
       </dsp:txXfrm>
     </dsp:sp>
     <dsp:sp modelId="{542F45DD-8824-4108-80AA-C4E325629219}">
@@ -2835,8 +2919,8 @@
       </dsp:nvSpPr>
       <dsp:spPr>
         <a:xfrm>
-          <a:off x="4987870" y="1694863"/>
-          <a:ext cx="366925" cy="284250"/>
+          <a:off x="4998191" y="682453"/>
+          <a:ext cx="367684" cy="284839"/>
         </a:xfrm>
         <a:prstGeom prst="rightArrow">
           <a:avLst>
@@ -2893,8 +2977,8 @@
         </a:p>
       </dsp:txBody>
       <dsp:txXfrm>
-        <a:off x="4987870" y="1751713"/>
-        <a:ext cx="281650" cy="170550"/>
+        <a:off x="4998191" y="739421"/>
+        <a:ext cx="282232" cy="170903"/>
       </dsp:txXfrm>
     </dsp:sp>
     <dsp:sp modelId="{296E0974-B04D-42EA-8CB1-5070FC0ECC1B}">
@@ -2904,8 +2988,8 @@
       </dsp:nvSpPr>
       <dsp:spPr>
         <a:xfrm>
-          <a:off x="5507104" y="1650818"/>
-          <a:ext cx="1141702" cy="558510"/>
+          <a:off x="5518499" y="638466"/>
+          <a:ext cx="1144065" cy="559219"/>
         </a:xfrm>
         <a:prstGeom prst="roundRect">
           <a:avLst>
@@ -2973,8 +3057,8 @@
         </a:p>
       </dsp:txBody>
       <dsp:txXfrm>
-        <a:off x="5507104" y="1650818"/>
-        <a:ext cx="1141702" cy="372340"/>
+        <a:off x="5518499" y="638466"/>
+        <a:ext cx="1144065" cy="372813"/>
       </dsp:txXfrm>
     </dsp:sp>
     <dsp:sp modelId="{C3BB4C05-FE24-47ED-9169-7CEEEA38BCD7}">
@@ -2984,8 +3068,8 @@
       </dsp:nvSpPr>
       <dsp:spPr>
         <a:xfrm>
-          <a:off x="5740947" y="2023158"/>
-          <a:ext cx="1141702" cy="1461585"/>
+          <a:off x="5484691" y="1196915"/>
+          <a:ext cx="1144065" cy="1461585"/>
         </a:xfrm>
         <a:prstGeom prst="roundRect">
           <a:avLst>
@@ -3072,8 +3156,8 @@
         </a:p>
       </dsp:txBody>
       <dsp:txXfrm>
-        <a:off x="5774386" y="2056597"/>
-        <a:ext cx="1074824" cy="1394707"/>
+        <a:off x="5518200" y="1230424"/>
+        <a:ext cx="1077047" cy="1394567"/>
       </dsp:txXfrm>
     </dsp:sp>
     <dsp:sp modelId="{AD21DE24-87B3-4B00-A8C4-689114D35182}">
@@ -3083,8 +3167,8 @@
       </dsp:nvSpPr>
       <dsp:spPr>
         <a:xfrm>
-          <a:off x="6821885" y="1694863"/>
-          <a:ext cx="366925" cy="284250"/>
+          <a:off x="6836001" y="682453"/>
+          <a:ext cx="367684" cy="284839"/>
         </a:xfrm>
         <a:prstGeom prst="rightArrow">
           <a:avLst>
@@ -3141,8 +3225,8 @@
         </a:p>
       </dsp:txBody>
       <dsp:txXfrm>
-        <a:off x="6821885" y="1751713"/>
-        <a:ext cx="281650" cy="170550"/>
+        <a:off x="6836001" y="739421"/>
+        <a:ext cx="282232" cy="170903"/>
       </dsp:txXfrm>
     </dsp:sp>
     <dsp:sp modelId="{2F3FE205-B600-48E8-9B2D-C1DCCA3872C3}">
@@ -3152,8 +3236,8 @@
       </dsp:nvSpPr>
       <dsp:spPr>
         <a:xfrm>
-          <a:off x="7341119" y="1650818"/>
-          <a:ext cx="1141702" cy="558510"/>
+          <a:off x="7356309" y="638466"/>
+          <a:ext cx="1144065" cy="559219"/>
         </a:xfrm>
         <a:prstGeom prst="roundRect">
           <a:avLst>
@@ -3221,8 +3305,8 @@
         </a:p>
       </dsp:txBody>
       <dsp:txXfrm>
-        <a:off x="7341119" y="1650818"/>
-        <a:ext cx="1141702" cy="372340"/>
+        <a:off x="7356309" y="638466"/>
+        <a:ext cx="1144065" cy="372813"/>
       </dsp:txXfrm>
     </dsp:sp>
     <dsp:sp modelId="{FD60CA26-42B7-490E-90E8-2746FB76AEC3}">
@@ -3232,8 +3316,8 @@
       </dsp:nvSpPr>
       <dsp:spPr>
         <a:xfrm>
-          <a:off x="7574962" y="2023158"/>
-          <a:ext cx="1141702" cy="1461585"/>
+          <a:off x="7350004" y="1203785"/>
+          <a:ext cx="1144065" cy="1461585"/>
         </a:xfrm>
         <a:prstGeom prst="roundRect">
           <a:avLst>
@@ -3320,8 +3404,8 @@
         </a:p>
       </dsp:txBody>
       <dsp:txXfrm>
-        <a:off x="7608401" y="2056597"/>
-        <a:ext cx="1074824" cy="1394707"/>
+        <a:off x="7383513" y="1237294"/>
+        <a:ext cx="1077047" cy="1394567"/>
       </dsp:txXfrm>
     </dsp:sp>
   </dsp:spTree>
@@ -4697,8 +4781,8 @@
         </p:nvSpPr>
         <p:spPr>
           <a:xfrm>
-            <a:off x="381300" y="685800"/>
-            <a:ext cx="6096075" cy="3429000"/>
+            <a:off x="381000" y="685800"/>
+            <a:ext cx="6096000" cy="3429000"/>
           </a:xfrm>
           <a:custGeom>
             <a:avLst/>
@@ -5535,115 +5619,6 @@
 </p:notes>
 </file>
 
-<file path=ppt/notesSlides/notesSlide13.xml><?xml version="1.0" encoding="utf-8"?>
-<p:notes xmlns:a="http://schemas.openxmlformats.org/drawingml/2006/main" xmlns:r="http://schemas.openxmlformats.org/officeDocument/2006/relationships" xmlns:p="http://schemas.openxmlformats.org/presentationml/2006/main" showMasterSp="0" showMasterPhAnim="0">
-  <p:cSld>
-    <p:spTree>
-      <p:nvGrpSpPr>
-        <p:cNvPr id="1" name="Shape 134"/>
-        <p:cNvGrpSpPr/>
-        <p:nvPr/>
-      </p:nvGrpSpPr>
-      <p:grpSpPr>
-        <a:xfrm>
-          <a:off x="0" y="0"/>
-          <a:ext cx="0" cy="0"/>
-          <a:chOff x="0" y="0"/>
-          <a:chExt cx="0" cy="0"/>
-        </a:xfrm>
-      </p:grpSpPr>
-      <p:sp>
-        <p:nvSpPr>
-          <p:cNvPr id="135" name="Google Shape;135;g22cb25aea62_0_61:notes"/>
-          <p:cNvSpPr>
-            <a:spLocks noGrp="1" noRot="1" noChangeAspect="1"/>
-          </p:cNvSpPr>
-          <p:nvPr>
-            <p:ph type="sldImg" idx="2"/>
-          </p:nvPr>
-        </p:nvSpPr>
-        <p:spPr>
-          <a:xfrm>
-            <a:off x="381000" y="685800"/>
-            <a:ext cx="6096000" cy="3429000"/>
-          </a:xfrm>
-          <a:custGeom>
-            <a:avLst/>
-            <a:gdLst/>
-            <a:ahLst/>
-            <a:cxnLst/>
-            <a:rect l="l" t="t" r="r" b="b"/>
-            <a:pathLst>
-              <a:path w="120000" h="120000" extrusionOk="0">
-                <a:moveTo>
-                  <a:pt x="0" y="0"/>
-                </a:moveTo>
-                <a:lnTo>
-                  <a:pt x="120000" y="0"/>
-                </a:lnTo>
-                <a:lnTo>
-                  <a:pt x="120000" y="120000"/>
-                </a:lnTo>
-                <a:lnTo>
-                  <a:pt x="0" y="120000"/>
-                </a:lnTo>
-                <a:close/>
-              </a:path>
-            </a:pathLst>
-          </a:custGeom>
-        </p:spPr>
-      </p:sp>
-      <p:sp>
-        <p:nvSpPr>
-          <p:cNvPr id="136" name="Google Shape;136;g22cb25aea62_0_61:notes"/>
-          <p:cNvSpPr txBox="1">
-            <a:spLocks noGrp="1"/>
-          </p:cNvSpPr>
-          <p:nvPr>
-            <p:ph type="body" idx="1"/>
-          </p:nvPr>
-        </p:nvSpPr>
-        <p:spPr>
-          <a:xfrm>
-            <a:off x="685800" y="4343400"/>
-            <a:ext cx="5486400" cy="4114800"/>
-          </a:xfrm>
-          <a:prstGeom prst="rect">
-            <a:avLst/>
-          </a:prstGeom>
-        </p:spPr>
-        <p:txBody>
-          <a:bodyPr spcFirstLastPara="1" wrap="square" lIns="91425" tIns="91425" rIns="91425" bIns="91425" anchor="t" anchorCtr="0">
-            <a:noAutofit/>
-          </a:bodyPr>
-          <a:lstStyle/>
-          <a:p>
-            <a:pPr marL="0" lvl="0" indent="0" algn="l" rtl="0">
-              <a:spcBef>
-                <a:spcPts val="0"/>
-              </a:spcBef>
-              <a:spcAft>
-                <a:spcPts val="0"/>
-              </a:spcAft>
-              <a:buNone/>
-            </a:pPr>
-            <a:endParaRPr/>
-          </a:p>
-        </p:txBody>
-      </p:sp>
-    </p:spTree>
-    <p:extLst>
-      <p:ext uri="{BB962C8B-B14F-4D97-AF65-F5344CB8AC3E}">
-        <p14:creationId xmlns:p14="http://schemas.microsoft.com/office/powerpoint/2010/main" val="1624107578"/>
-      </p:ext>
-    </p:extLst>
-  </p:cSld>
-  <p:clrMapOvr>
-    <a:masterClrMapping/>
-  </p:clrMapOvr>
-</p:notes>
-</file>
-
 <file path=ppt/notesSlides/notesSlide2.xml><?xml version="1.0" encoding="utf-8"?>
 <p:notes xmlns:a="http://schemas.openxmlformats.org/drawingml/2006/main" xmlns:r="http://schemas.openxmlformats.org/officeDocument/2006/relationships" xmlns:p="http://schemas.openxmlformats.org/presentationml/2006/main" showMasterSp="0" showMasterPhAnim="0">
   <p:cSld>
@@ -6546,7 +6521,7 @@
         </p:nvSpPr>
         <p:spPr>
           <a:xfrm>
-            <a:off x="510450" y="1257300"/>
+            <a:off x="510451" y="1257300"/>
             <a:ext cx="8123100" cy="1588500"/>
           </a:xfrm>
           <a:prstGeom prst="rect">
@@ -6738,7 +6713,7 @@
         </p:nvSpPr>
         <p:spPr>
           <a:xfrm>
-            <a:off x="510450" y="3182313"/>
+            <a:off x="510451" y="3182313"/>
             <a:ext cx="8123100" cy="630000"/>
           </a:xfrm>
           <a:prstGeom prst="rect">
@@ -6957,7 +6932,7 @@
         </p:nvSpPr>
         <p:spPr>
           <a:xfrm>
-            <a:off x="8472458" y="4663217"/>
+            <a:off x="8472459" y="4663217"/>
             <a:ext cx="548700" cy="393600"/>
           </a:xfrm>
           <a:prstGeom prst="rect">
@@ -7043,20 +7018,12 @@
             </a:lvl9pPr>
           </a:lstStyle>
           <a:p>
-            <a:pPr marL="0" lvl="0" indent="0" algn="r" rtl="0">
-              <a:spcBef>
-                <a:spcPts val="0"/>
-              </a:spcBef>
-              <a:spcAft>
-                <a:spcPts val="0"/>
-              </a:spcAft>
-              <a:buNone/>
-            </a:pPr>
             <a:fld id="{00000000-1234-1234-1234-123412341234}" type="slidenum">
-              <a:rPr lang="ru"/>
+              <a:rPr lang="ru" smtClean="0"/>
+              <a:pPr/>
               <a:t>‹#›</a:t>
             </a:fld>
-            <a:endParaRPr/>
+            <a:endParaRPr lang="ru"/>
           </a:p>
         </p:txBody>
       </p:sp>
@@ -7121,7 +7088,7 @@
               </a:spcAft>
               <a:buNone/>
             </a:pPr>
-            <a:endParaRPr/>
+            <a:endParaRPr sz="2195"/>
           </a:p>
         </p:txBody>
       </p:sp>
@@ -7397,7 +7364,7 @@
         </p:nvSpPr>
         <p:spPr>
           <a:xfrm>
-            <a:off x="8472458" y="4663217"/>
+            <a:off x="8472459" y="4663217"/>
             <a:ext cx="548700" cy="393600"/>
           </a:xfrm>
           <a:prstGeom prst="rect">
@@ -7447,20 +7414,12 @@
             </a:lvl9pPr>
           </a:lstStyle>
           <a:p>
-            <a:pPr marL="0" lvl="0" indent="0" algn="r" rtl="0">
-              <a:spcBef>
-                <a:spcPts val="0"/>
-              </a:spcBef>
-              <a:spcAft>
-                <a:spcPts val="0"/>
-              </a:spcAft>
-              <a:buNone/>
-            </a:pPr>
             <a:fld id="{00000000-1234-1234-1234-123412341234}" type="slidenum">
-              <a:rPr lang="ru"/>
+              <a:rPr lang="ru" smtClean="0"/>
+              <a:pPr/>
               <a:t>‹#›</a:t>
             </a:fld>
-            <a:endParaRPr/>
+            <a:endParaRPr lang="ru"/>
           </a:p>
         </p:txBody>
       </p:sp>
@@ -7501,7 +7460,7 @@
         </p:nvSpPr>
         <p:spPr>
           <a:xfrm>
-            <a:off x="8472458" y="4663217"/>
+            <a:off x="8472459" y="4663217"/>
             <a:ext cx="548700" cy="393600"/>
           </a:xfrm>
           <a:prstGeom prst="rect">
@@ -7551,20 +7510,12 @@
             </a:lvl9pPr>
           </a:lstStyle>
           <a:p>
-            <a:pPr marL="0" lvl="0" indent="0" algn="r" rtl="0">
-              <a:spcBef>
-                <a:spcPts val="0"/>
-              </a:spcBef>
-              <a:spcAft>
-                <a:spcPts val="0"/>
-              </a:spcAft>
-              <a:buNone/>
-            </a:pPr>
             <a:fld id="{00000000-1234-1234-1234-123412341234}" type="slidenum">
-              <a:rPr lang="ru"/>
+              <a:rPr lang="ru" smtClean="0"/>
+              <a:pPr/>
               <a:t>‹#›</a:t>
             </a:fld>
-            <a:endParaRPr/>
+            <a:endParaRPr lang="ru"/>
           </a:p>
         </p:txBody>
       </p:sp>
@@ -7631,7 +7582,7 @@
         </p:nvSpPr>
         <p:spPr>
           <a:xfrm>
-            <a:off x="510450" y="2057400"/>
+            <a:off x="510451" y="2057400"/>
             <a:ext cx="8123100" cy="778800"/>
           </a:xfrm>
           <a:prstGeom prst="rect">
@@ -7823,7 +7774,7 @@
         </p:nvSpPr>
         <p:spPr>
           <a:xfrm>
-            <a:off x="8472458" y="4663217"/>
+            <a:off x="8472459" y="4663217"/>
             <a:ext cx="548700" cy="393600"/>
           </a:xfrm>
           <a:prstGeom prst="rect">
@@ -7909,20 +7860,12 @@
             </a:lvl9pPr>
           </a:lstStyle>
           <a:p>
-            <a:pPr marL="0" lvl="0" indent="0" algn="r" rtl="0">
-              <a:spcBef>
-                <a:spcPts val="0"/>
-              </a:spcBef>
-              <a:spcAft>
-                <a:spcPts val="0"/>
-              </a:spcAft>
-              <a:buNone/>
-            </a:pPr>
             <a:fld id="{00000000-1234-1234-1234-123412341234}" type="slidenum">
-              <a:rPr lang="ru"/>
+              <a:rPr lang="ru" smtClean="0"/>
+              <a:pPr/>
               <a:t>‹#›</a:t>
             </a:fld>
-            <a:endParaRPr/>
+            <a:endParaRPr lang="ru"/>
           </a:p>
         </p:txBody>
       </p:sp>
@@ -7987,7 +7930,7 @@
               </a:spcAft>
               <a:buNone/>
             </a:pPr>
-            <a:endParaRPr/>
+            <a:endParaRPr sz="2195"/>
           </a:p>
         </p:txBody>
       </p:sp>
@@ -8261,7 +8204,7 @@
         </p:nvSpPr>
         <p:spPr>
           <a:xfrm>
-            <a:off x="8472458" y="4663217"/>
+            <a:off x="8472459" y="4663217"/>
             <a:ext cx="548700" cy="393600"/>
           </a:xfrm>
           <a:prstGeom prst="rect">
@@ -8311,20 +8254,12 @@
             </a:lvl9pPr>
           </a:lstStyle>
           <a:p>
-            <a:pPr marL="0" lvl="0" indent="0" algn="r" rtl="0">
-              <a:spcBef>
-                <a:spcPts val="0"/>
-              </a:spcBef>
-              <a:spcAft>
-                <a:spcPts val="0"/>
-              </a:spcAft>
-              <a:buNone/>
-            </a:pPr>
             <a:fld id="{00000000-1234-1234-1234-123412341234}" type="slidenum">
-              <a:rPr lang="ru"/>
+              <a:rPr lang="ru" smtClean="0"/>
+              <a:pPr/>
               <a:t>‹#›</a:t>
             </a:fld>
-            <a:endParaRPr/>
+            <a:endParaRPr lang="ru"/>
           </a:p>
         </p:txBody>
       </p:sp>
@@ -8752,7 +8687,7 @@
         </p:nvSpPr>
         <p:spPr>
           <a:xfrm>
-            <a:off x="8472458" y="4663217"/>
+            <a:off x="8472459" y="4663217"/>
             <a:ext cx="548700" cy="393600"/>
           </a:xfrm>
           <a:prstGeom prst="rect">
@@ -8802,20 +8737,12 @@
             </a:lvl9pPr>
           </a:lstStyle>
           <a:p>
-            <a:pPr marL="0" lvl="0" indent="0" algn="r" rtl="0">
-              <a:spcBef>
-                <a:spcPts val="0"/>
-              </a:spcBef>
-              <a:spcAft>
-                <a:spcPts val="0"/>
-              </a:spcAft>
-              <a:buNone/>
-            </a:pPr>
             <a:fld id="{00000000-1234-1234-1234-123412341234}" type="slidenum">
-              <a:rPr lang="ru"/>
+              <a:rPr lang="ru" smtClean="0"/>
+              <a:pPr/>
               <a:t>‹#›</a:t>
             </a:fld>
-            <a:endParaRPr/>
+            <a:endParaRPr lang="ru"/>
           </a:p>
         </p:txBody>
       </p:sp>
@@ -8985,7 +8912,7 @@
         </p:nvSpPr>
         <p:spPr>
           <a:xfrm>
-            <a:off x="8472458" y="4663217"/>
+            <a:off x="8472459" y="4663217"/>
             <a:ext cx="548700" cy="393600"/>
           </a:xfrm>
           <a:prstGeom prst="rect">
@@ -9035,20 +8962,12 @@
             </a:lvl9pPr>
           </a:lstStyle>
           <a:p>
-            <a:pPr marL="0" lvl="0" indent="0" algn="r" rtl="0">
-              <a:spcBef>
-                <a:spcPts val="0"/>
-              </a:spcBef>
-              <a:spcAft>
-                <a:spcPts val="0"/>
-              </a:spcAft>
-              <a:buNone/>
-            </a:pPr>
             <a:fld id="{00000000-1234-1234-1234-123412341234}" type="slidenum">
-              <a:rPr lang="ru"/>
+              <a:rPr lang="ru" smtClean="0"/>
+              <a:pPr/>
               <a:t>‹#›</a:t>
             </a:fld>
-            <a:endParaRPr/>
+            <a:endParaRPr lang="ru"/>
           </a:p>
         </p:txBody>
       </p:sp>
@@ -9347,7 +9266,7 @@
         </p:nvSpPr>
         <p:spPr>
           <a:xfrm>
-            <a:off x="8472458" y="4663217"/>
+            <a:off x="8472459" y="4663217"/>
             <a:ext cx="548700" cy="393600"/>
           </a:xfrm>
           <a:prstGeom prst="rect">
@@ -9397,20 +9316,12 @@
             </a:lvl9pPr>
           </a:lstStyle>
           <a:p>
-            <a:pPr marL="0" lvl="0" indent="0" algn="r" rtl="0">
-              <a:spcBef>
-                <a:spcPts val="0"/>
-              </a:spcBef>
-              <a:spcAft>
-                <a:spcPts val="0"/>
-              </a:spcAft>
-              <a:buNone/>
-            </a:pPr>
             <a:fld id="{00000000-1234-1234-1234-123412341234}" type="slidenum">
-              <a:rPr lang="ru"/>
+              <a:rPr lang="ru" smtClean="0"/>
+              <a:pPr/>
               <a:t>‹#›</a:t>
             </a:fld>
-            <a:endParaRPr/>
+            <a:endParaRPr lang="ru"/>
           </a:p>
         </p:txBody>
       </p:sp>
@@ -9451,7 +9362,7 @@
         </p:nvSpPr>
         <p:spPr>
           <a:xfrm>
-            <a:off x="490250" y="526350"/>
+            <a:off x="490251" y="526350"/>
             <a:ext cx="5797500" cy="4090800"/>
           </a:xfrm>
           <a:prstGeom prst="rect">
@@ -9580,7 +9491,7 @@
         </p:nvSpPr>
         <p:spPr>
           <a:xfrm>
-            <a:off x="8472458" y="4663217"/>
+            <a:off x="8472459" y="4663217"/>
             <a:ext cx="548700" cy="393600"/>
           </a:xfrm>
           <a:prstGeom prst="rect">
@@ -9630,20 +9541,12 @@
             </a:lvl9pPr>
           </a:lstStyle>
           <a:p>
-            <a:pPr marL="0" lvl="0" indent="0" algn="r" rtl="0">
-              <a:spcBef>
-                <a:spcPts val="0"/>
-              </a:spcBef>
-              <a:spcAft>
-                <a:spcPts val="0"/>
-              </a:spcAft>
-              <a:buNone/>
-            </a:pPr>
             <a:fld id="{00000000-1234-1234-1234-123412341234}" type="slidenum">
-              <a:rPr lang="ru"/>
+              <a:rPr lang="ru" smtClean="0"/>
+              <a:pPr/>
               <a:t>‹#›</a:t>
             </a:fld>
-            <a:endParaRPr/>
+            <a:endParaRPr lang="ru"/>
           </a:p>
         </p:txBody>
       </p:sp>
@@ -9708,7 +9611,7 @@
               </a:spcAft>
               <a:buNone/>
             </a:pPr>
-            <a:endParaRPr/>
+            <a:endParaRPr sz="2195"/>
           </a:p>
         </p:txBody>
       </p:sp>
@@ -9720,7 +9623,7 @@
         </p:nvCxnSpPr>
         <p:spPr>
           <a:xfrm>
-            <a:off x="5029675" y="4495500"/>
+            <a:off x="5029676" y="4495500"/>
             <a:ext cx="468300" cy="0"/>
           </a:xfrm>
           <a:prstGeom prst="straightConnector1">
@@ -10227,7 +10130,7 @@
         </p:nvSpPr>
         <p:spPr>
           <a:xfrm>
-            <a:off x="8472458" y="4663217"/>
+            <a:off x="8472459" y="4663217"/>
             <a:ext cx="548700" cy="393600"/>
           </a:xfrm>
           <a:prstGeom prst="rect">
@@ -10313,20 +10216,12 @@
             </a:lvl9pPr>
           </a:lstStyle>
           <a:p>
-            <a:pPr marL="0" lvl="0" indent="0" algn="r" rtl="0">
-              <a:spcBef>
-                <a:spcPts val="0"/>
-              </a:spcBef>
-              <a:spcAft>
-                <a:spcPts val="0"/>
-              </a:spcAft>
-              <a:buNone/>
-            </a:pPr>
             <a:fld id="{00000000-1234-1234-1234-123412341234}" type="slidenum">
-              <a:rPr lang="ru"/>
+              <a:rPr lang="ru" smtClean="0"/>
+              <a:pPr/>
               <a:t>‹#›</a:t>
             </a:fld>
-            <a:endParaRPr/>
+            <a:endParaRPr lang="ru"/>
           </a:p>
         </p:txBody>
       </p:sp>
@@ -10411,7 +10306,7 @@
         </p:nvSpPr>
         <p:spPr>
           <a:xfrm>
-            <a:off x="8472458" y="4663217"/>
+            <a:off x="8472459" y="4663217"/>
             <a:ext cx="548700" cy="393600"/>
           </a:xfrm>
           <a:prstGeom prst="rect">
@@ -10461,20 +10356,12 @@
             </a:lvl9pPr>
           </a:lstStyle>
           <a:p>
-            <a:pPr marL="0" lvl="0" indent="0" algn="r" rtl="0">
-              <a:spcBef>
-                <a:spcPts val="0"/>
-              </a:spcBef>
-              <a:spcAft>
-                <a:spcPts val="0"/>
-              </a:spcAft>
-              <a:buNone/>
-            </a:pPr>
             <a:fld id="{00000000-1234-1234-1234-123412341234}" type="slidenum">
-              <a:rPr lang="ru"/>
+              <a:rPr lang="ru" smtClean="0"/>
+              <a:pPr/>
               <a:t>‹#›</a:t>
             </a:fld>
-            <a:endParaRPr/>
+            <a:endParaRPr lang="ru"/>
           </a:p>
         </p:txBody>
       </p:sp>
@@ -11032,7 +10919,7 @@
         </p:nvSpPr>
         <p:spPr>
           <a:xfrm>
-            <a:off x="8472458" y="4663217"/>
+            <a:off x="8472459" y="4663217"/>
             <a:ext cx="548700" cy="393600"/>
           </a:xfrm>
           <a:prstGeom prst="rect">
@@ -11158,20 +11045,12 @@
             </a:lvl9pPr>
           </a:lstStyle>
           <a:p>
-            <a:pPr marL="0" lvl="0" indent="0" algn="r" rtl="0">
-              <a:spcBef>
-                <a:spcPts val="0"/>
-              </a:spcBef>
-              <a:spcAft>
-                <a:spcPts val="0"/>
-              </a:spcAft>
-              <a:buNone/>
-            </a:pPr>
             <a:fld id="{00000000-1234-1234-1234-123412341234}" type="slidenum">
-              <a:rPr lang="ru"/>
+              <a:rPr lang="ru" smtClean="0"/>
+              <a:pPr/>
               <a:t>‹#›</a:t>
             </a:fld>
-            <a:endParaRPr/>
+            <a:endParaRPr lang="ru"/>
           </a:p>
         </p:txBody>
       </p:sp>
@@ -11985,7 +11864,7 @@
               <a:t>У</a:t>
             </a:r>
             <a:r>
-              <a:rPr lang="ru-RU" sz="2200" dirty="0" smtClean="0">
+              <a:rPr lang="ru-RU" sz="2200" dirty="0">
                 <a:solidFill>
                   <a:schemeClr val="tx1"/>
                 </a:solidFill>
@@ -12005,7 +11884,7 @@
               <a:t>на базе </a:t>
             </a:r>
             <a:r>
-              <a:rPr lang="ru-RU" sz="2200" dirty="0" smtClean="0">
+              <a:rPr lang="ru-RU" sz="2200" dirty="0">
                 <a:solidFill>
                   <a:schemeClr val="tx1"/>
                 </a:solidFill>
@@ -12015,7 +11894,7 @@
               <a:t>Рекурсивных Нейронные Сетей(</a:t>
             </a:r>
             <a:r>
-              <a:rPr lang="en-US" sz="2200" dirty="0" smtClean="0">
+              <a:rPr lang="en-US" sz="2200" dirty="0">
                 <a:solidFill>
                   <a:schemeClr val="tx1"/>
                 </a:solidFill>
@@ -12025,7 +11904,7 @@
               <a:t>RNN</a:t>
             </a:r>
             <a:r>
-              <a:rPr lang="ru-RU" sz="2200" dirty="0" smtClean="0">
+              <a:rPr lang="ru-RU" sz="2200" dirty="0">
                 <a:solidFill>
                   <a:schemeClr val="tx1"/>
                 </a:solidFill>
@@ -12045,7 +11924,7 @@
               <a:t>для </a:t>
             </a:r>
             <a:r>
-              <a:rPr lang="kk-KZ" sz="2200" dirty="0" smtClean="0">
+              <a:rPr lang="kk-KZ" sz="2200" dirty="0">
                 <a:solidFill>
                   <a:schemeClr val="tx1"/>
                 </a:solidFill>
@@ -12055,7 +11934,7 @@
               <a:t>управления Энергетическими Ресурсами</a:t>
             </a:r>
             <a:r>
-              <a:rPr lang="ru-RU" sz="2200" dirty="0" smtClean="0">
+              <a:rPr lang="ru-RU" sz="2200" dirty="0">
                 <a:solidFill>
                   <a:schemeClr val="tx1"/>
                 </a:solidFill>
@@ -12099,15 +11978,7 @@
           </a:bodyPr>
           <a:lstStyle/>
           <a:p>
-            <a:pPr marL="0" lvl="0" indent="0" algn="l" rtl="0">
-              <a:spcBef>
-                <a:spcPts val="0"/>
-              </a:spcBef>
-              <a:spcAft>
-                <a:spcPts val="0"/>
-              </a:spcAft>
-              <a:buNone/>
-            </a:pPr>
+            <a:pPr marL="0" indent="0"/>
             <a:endParaRPr dirty="0">
               <a:solidFill>
                 <a:schemeClr val="tx1"/>
@@ -12117,15 +11988,7 @@
             </a:endParaRPr>
           </a:p>
           <a:p>
-            <a:pPr marL="0" lvl="0" indent="0" algn="l" rtl="0">
-              <a:spcBef>
-                <a:spcPts val="0"/>
-              </a:spcBef>
-              <a:spcAft>
-                <a:spcPts val="0"/>
-              </a:spcAft>
-              <a:buNone/>
-            </a:pPr>
+            <a:pPr marL="0" indent="0"/>
             <a:endParaRPr dirty="0">
               <a:solidFill>
                 <a:schemeClr val="tx1"/>
@@ -12135,17 +11998,9 @@
             </a:endParaRPr>
           </a:p>
           <a:p>
-            <a:pPr marL="0" lvl="0" indent="0" algn="l" rtl="0">
-              <a:spcBef>
-                <a:spcPts val="0"/>
-              </a:spcBef>
-              <a:spcAft>
-                <a:spcPts val="0"/>
-              </a:spcAft>
-              <a:buNone/>
-            </a:pPr>
+            <a:pPr marL="0" indent="0"/>
             <a:r>
-              <a:rPr lang="ru" sz="2183" dirty="0" smtClean="0">
+              <a:rPr lang="ru" sz="2183" dirty="0">
                 <a:solidFill>
                   <a:schemeClr val="tx1"/>
                 </a:solidFill>
@@ -12154,24 +12009,6 @@
               </a:rPr>
               <a:t>Presenter:</a:t>
             </a:r>
-            <a:endParaRPr sz="2183" dirty="0" smtClean="0">
-              <a:solidFill>
-                <a:schemeClr val="tx1"/>
-              </a:solidFill>
-              <a:latin typeface="+mn-lt"/>
-              <a:cs typeface="Times New Roman" panose="02020603050405020304" pitchFamily="18" charset="0"/>
-            </a:endParaRPr>
-          </a:p>
-          <a:p>
-            <a:pPr marL="0" lvl="0" indent="0" algn="l" rtl="0">
-              <a:spcBef>
-                <a:spcPts val="0"/>
-              </a:spcBef>
-              <a:spcAft>
-                <a:spcPts val="0"/>
-              </a:spcAft>
-              <a:buNone/>
-            </a:pPr>
             <a:endParaRPr sz="2183" dirty="0">
               <a:solidFill>
                 <a:schemeClr val="tx1"/>
@@ -12181,15 +12018,17 @@
             </a:endParaRPr>
           </a:p>
           <a:p>
-            <a:pPr marL="0" lvl="0" indent="0" algn="l" rtl="0">
-              <a:spcBef>
-                <a:spcPts val="0"/>
-              </a:spcBef>
-              <a:spcAft>
-                <a:spcPts val="0"/>
-              </a:spcAft>
-              <a:buNone/>
-            </a:pPr>
+            <a:pPr marL="0" indent="0"/>
+            <a:endParaRPr sz="2183" dirty="0">
+              <a:solidFill>
+                <a:schemeClr val="tx1"/>
+              </a:solidFill>
+              <a:latin typeface="+mn-lt"/>
+              <a:cs typeface="Times New Roman" panose="02020603050405020304" pitchFamily="18" charset="0"/>
+            </a:endParaRPr>
+          </a:p>
+          <a:p>
+            <a:pPr marL="0" indent="0"/>
             <a:r>
               <a:rPr lang="ru" sz="2183" dirty="0">
                 <a:solidFill>
@@ -12201,7 +12040,7 @@
               <a:t>Samat </a:t>
             </a:r>
             <a:r>
-              <a:rPr lang="ru" sz="2183" dirty="0" smtClean="0">
+              <a:rPr lang="ru" sz="2183" dirty="0">
                 <a:solidFill>
                   <a:schemeClr val="tx1"/>
                 </a:solidFill>
@@ -12225,6 +12064,13 @@
   <p:clrMapOvr>
     <a:masterClrMapping/>
   </p:clrMapOvr>
+  <p:timing>
+    <p:tnLst>
+      <p:par>
+        <p:cTn id="1" dur="indefinite" restart="never" nodeType="tmRoot"/>
+      </p:par>
+    </p:tnLst>
+  </p:timing>
 </p:sld>
 </file>
 
@@ -12278,17 +12124,8 @@
           </a:bodyPr>
           <a:lstStyle/>
           <a:p>
-            <a:pPr marL="0" lvl="0" indent="0" algn="l" rtl="0">
-              <a:spcBef>
-                <a:spcPts val="0"/>
-              </a:spcBef>
-              <a:spcAft>
-                <a:spcPts val="0"/>
-              </a:spcAft>
-              <a:buNone/>
-            </a:pPr>
             <a:r>
-              <a:rPr lang="ru" sz="2500" b="1" dirty="0" smtClean="0"/>
+              <a:rPr lang="ru" sz="2500" b="1" dirty="0"/>
               <a:t>Actual </a:t>
             </a:r>
             <a:r>
@@ -12315,7 +12152,7 @@
         </p:blipFill>
         <p:spPr>
           <a:xfrm>
-            <a:off x="500063" y="647700"/>
+            <a:off x="500063" y="647702"/>
             <a:ext cx="8143874" cy="4426823"/>
           </a:xfrm>
           <a:prstGeom prst="rect">
@@ -12333,6 +12170,13 @@
   <p:clrMapOvr>
     <a:masterClrMapping/>
   </p:clrMapOvr>
+  <p:timing>
+    <p:tnLst>
+      <p:par>
+        <p:cTn id="1" dur="indefinite" restart="never" nodeType="tmRoot"/>
+      </p:par>
+    </p:tnLst>
+  </p:timing>
 </p:sld>
 </file>
 
@@ -12386,17 +12230,8 @@
           </a:bodyPr>
           <a:lstStyle/>
           <a:p>
-            <a:pPr marL="0" lvl="0" indent="0" algn="l" rtl="0">
-              <a:spcBef>
-                <a:spcPts val="0"/>
-              </a:spcBef>
-              <a:spcAft>
-                <a:spcPts val="0"/>
-              </a:spcAft>
-              <a:buNone/>
-            </a:pPr>
             <a:r>
-              <a:rPr lang="en-US" sz="2500" b="1" dirty="0" smtClean="0"/>
+              <a:rPr lang="en-US" sz="2500" b="1" dirty="0"/>
               <a:t>Forecasting of future demand</a:t>
             </a:r>
             <a:endParaRPr sz="2500" b="1" dirty="0"/>
@@ -12419,7 +12254,7 @@
         </p:blipFill>
         <p:spPr>
           <a:xfrm>
-            <a:off x="1042987" y="666750"/>
+            <a:off x="1042989" y="666752"/>
             <a:ext cx="7058025" cy="4162425"/>
           </a:xfrm>
           <a:prstGeom prst="rect">
@@ -12437,6 +12272,13 @@
   <p:clrMapOvr>
     <a:masterClrMapping/>
   </p:clrMapOvr>
+  <p:timing>
+    <p:tnLst>
+      <p:par>
+        <p:cTn id="1" dur="indefinite" restart="never" nodeType="tmRoot"/>
+      </p:par>
+    </p:tnLst>
+  </p:timing>
 </p:sld>
 </file>
 
@@ -12490,17 +12332,8 @@
           </a:bodyPr>
           <a:lstStyle/>
           <a:p>
-            <a:pPr marL="0" lvl="0" indent="0" algn="l" rtl="0">
-              <a:spcBef>
-                <a:spcPts val="0"/>
-              </a:spcBef>
-              <a:spcAft>
-                <a:spcPts val="0"/>
-              </a:spcAft>
-              <a:buNone/>
-            </a:pPr>
             <a:r>
-              <a:rPr lang="en-US" sz="2500" b="1" dirty="0" smtClean="0"/>
+              <a:rPr lang="en-US" sz="2500" b="1" dirty="0"/>
               <a:t>Forecasting of future demand</a:t>
             </a:r>
             <a:endParaRPr sz="2500" b="1" dirty="0"/>
@@ -12523,7 +12356,7 @@
         </p:blipFill>
         <p:spPr>
           <a:xfrm>
-            <a:off x="123825" y="745549"/>
+            <a:off x="123827" y="745549"/>
             <a:ext cx="8708475" cy="4197926"/>
           </a:xfrm>
           <a:prstGeom prst="rect">
@@ -12541,86 +12374,13 @@
   <p:clrMapOvr>
     <a:masterClrMapping/>
   </p:clrMapOvr>
-</p:sld>
-</file>
-
-<file path=ppt/slides/slide13.xml><?xml version="1.0" encoding="utf-8"?>
-<p:sld xmlns:a="http://schemas.openxmlformats.org/drawingml/2006/main" xmlns:r="http://schemas.openxmlformats.org/officeDocument/2006/relationships" xmlns:p="http://schemas.openxmlformats.org/presentationml/2006/main">
-  <p:cSld>
-    <p:bg>
-      <p:bgPr>
-        <a:solidFill>
-          <a:schemeClr val="lt1"/>
-        </a:solidFill>
-        <a:effectLst/>
-      </p:bgPr>
-    </p:bg>
-    <p:spTree>
-      <p:nvGrpSpPr>
-        <p:cNvPr id="1" name="Shape 137"/>
-        <p:cNvGrpSpPr/>
-        <p:nvPr/>
-      </p:nvGrpSpPr>
-      <p:grpSpPr>
-        <a:xfrm>
-          <a:off x="0" y="0"/>
-          <a:ext cx="0" cy="0"/>
-          <a:chOff x="0" y="0"/>
-          <a:chExt cx="0" cy="0"/>
-        </a:xfrm>
-      </p:grpSpPr>
-      <p:sp>
-        <p:nvSpPr>
-          <p:cNvPr id="138" name="Google Shape;138;p25"/>
-          <p:cNvSpPr txBox="1">
-            <a:spLocks noGrp="1"/>
-          </p:cNvSpPr>
-          <p:nvPr>
-            <p:ph type="title"/>
-          </p:nvPr>
-        </p:nvSpPr>
-        <p:spPr>
-          <a:xfrm>
-            <a:off x="2902500" y="2096900"/>
-            <a:ext cx="3469725" cy="572700"/>
-          </a:xfrm>
-          <a:prstGeom prst="rect">
-            <a:avLst/>
-          </a:prstGeom>
-        </p:spPr>
-        <p:txBody>
-          <a:bodyPr spcFirstLastPara="1" wrap="square" lIns="91425" tIns="91425" rIns="91425" bIns="91425" anchor="t" anchorCtr="0">
-            <a:normAutofit/>
-          </a:bodyPr>
-          <a:lstStyle/>
-          <a:p>
-            <a:pPr marL="0" lvl="0" indent="0" algn="l" rtl="0">
-              <a:spcBef>
-                <a:spcPts val="0"/>
-              </a:spcBef>
-              <a:spcAft>
-                <a:spcPts val="0"/>
-              </a:spcAft>
-              <a:buNone/>
-            </a:pPr>
-            <a:r>
-              <a:rPr lang="kk-KZ" sz="2500" b="1" dirty="0" smtClean="0"/>
-              <a:t>Рахмет за Внимание!</a:t>
-            </a:r>
-            <a:endParaRPr sz="2500" b="1" dirty="0"/>
-          </a:p>
-        </p:txBody>
-      </p:sp>
-    </p:spTree>
-    <p:extLst>
-      <p:ext uri="{BB962C8B-B14F-4D97-AF65-F5344CB8AC3E}">
-        <p14:creationId xmlns:p14="http://schemas.microsoft.com/office/powerpoint/2010/main" val="1845494921"/>
-      </p:ext>
-    </p:extLst>
-  </p:cSld>
-  <p:clrMapOvr>
-    <a:masterClrMapping/>
-  </p:clrMapOvr>
+  <p:timing>
+    <p:tnLst>
+      <p:par>
+        <p:cTn id="1" dur="indefinite" restart="never" nodeType="tmRoot"/>
+      </p:par>
+    </p:tnLst>
+  </p:timing>
 </p:sld>
 </file>
 
@@ -12661,8 +12421,8 @@
         </p:nvSpPr>
         <p:spPr>
           <a:xfrm>
-            <a:off x="311700" y="419100"/>
-            <a:ext cx="3860250" cy="598625"/>
+            <a:off x="311699" y="116594"/>
+            <a:ext cx="8976679" cy="598625"/>
           </a:xfrm>
           <a:prstGeom prst="rect">
             <a:avLst/>
@@ -12674,23 +12434,15 @@
           </a:bodyPr>
           <a:lstStyle/>
           <a:p>
-            <a:pPr marL="0" lvl="0" indent="0" algn="l" rtl="0">
-              <a:spcBef>
-                <a:spcPts val="0"/>
-              </a:spcBef>
-              <a:spcAft>
-                <a:spcPts val="0"/>
-              </a:spcAft>
-              <a:buNone/>
-            </a:pPr>
+            <a:pPr lvl="0" algn="ctr"/>
             <a:r>
-              <a:rPr lang="en-US" b="1" dirty="0" smtClean="0">
+              <a:rPr lang="ru-RU" b="1" dirty="0">
                 <a:solidFill>
                   <a:schemeClr val="tx1"/>
                 </a:solidFill>
                 <a:latin typeface="+mn-lt"/>
               </a:rPr>
-              <a:t>Problem statements </a:t>
+              <a:t>Почему важно точно прогнозировать производство и потребление энергии?</a:t>
             </a:r>
             <a:endParaRPr b="1" dirty="0">
               <a:solidFill>
@@ -12713,8 +12465,8 @@
         </p:nvSpPr>
         <p:spPr>
           <a:xfrm>
-            <a:off x="311700" y="1744918"/>
-            <a:ext cx="6196256" cy="1958801"/>
+            <a:off x="311702" y="1029900"/>
+            <a:ext cx="8708547" cy="1958801"/>
           </a:xfrm>
           <a:prstGeom prst="rect">
             <a:avLst/>
@@ -12722,11 +12474,11 @@
         </p:spPr>
         <p:txBody>
           <a:bodyPr spcFirstLastPara="1" wrap="square" lIns="91425" tIns="91425" rIns="91425" bIns="91425" anchor="t" anchorCtr="0">
-            <a:normAutofit/>
+            <a:noAutofit/>
           </a:bodyPr>
           <a:lstStyle/>
           <a:p>
-            <a:pPr marL="114300" lvl="0" indent="0">
+            <a:pPr marL="114300" indent="0">
               <a:lnSpc>
                 <a:spcPct val="200000"/>
               </a:lnSpc>
@@ -12735,213 +12487,39 @@
               </a:buClr>
               <a:buNone/>
             </a:pPr>
-            <a:endParaRPr lang="ru-RU" sz="1200" dirty="0" smtClean="0">
+            <a:r>
+              <a:rPr lang="ru-RU" sz="1100" dirty="0">
+                <a:solidFill>
+                  <a:schemeClr val="tx1"/>
+                </a:solidFill>
+                <a:latin typeface="+mn-lt"/>
+              </a:rPr>
+              <a:t>Точное прогнозирование производства и потребления энергии критично важно для баланса предложения и спроса, поскольку электроэнергию сложно хранить. Ошибки в прогнозах могут привести к финансовым потерям и нестабильности электросети. Экономически, точные прогнозы позволяют избежать лишних затрат на избыточное производство или экстренное удовлетворение спроса. С точки зрения экологии, они помогают уменьшить негативное воздействие на окружающую среду, особенно при использовании </a:t>
+            </a:r>
+            <a:r>
+              <a:rPr lang="ru-RU" sz="1100" dirty="0" err="1">
+                <a:solidFill>
+                  <a:schemeClr val="tx1"/>
+                </a:solidFill>
+                <a:latin typeface="+mn-lt"/>
+              </a:rPr>
+              <a:t>неэкологичных</a:t>
+            </a:r>
+            <a:r>
+              <a:rPr lang="ru-RU" sz="1100" dirty="0">
+                <a:solidFill>
+                  <a:schemeClr val="tx1"/>
+                </a:solidFill>
+                <a:latin typeface="+mn-lt"/>
+              </a:rPr>
+              <a:t> источников. С ростом доли возобновляемых источников, таких как солнечная и ветровая энергия, точность прогнозов становится ещё более важной для их эффективной интеграции в систему. Стратегическое планирование и развитие также зависят от точных данных для принятия обоснованных инвестиционных решений. Кроме того, точные прогнозы способствуют стабильности рынка и цен, что выгодно для всех участников. Наконец, они критически важны для обеспечения общественной безопасности, например, в системах жизнеобеспечения как больницы. В целом, точное прогнозирование является ключевым фактором для устойчивого развития, обеспечивая эффективность, экономическую выгоду, экологическую устойчивость и безопасность.</a:t>
+            </a:r>
+            <a:endParaRPr lang="kk-KZ" sz="1100" dirty="0">
               <a:solidFill>
                 <a:schemeClr val="tx1"/>
               </a:solidFill>
+              <a:latin typeface="+mn-lt"/>
             </a:endParaRPr>
-          </a:p>
-          <a:p>
-            <a:pPr marL="114300" lvl="0" indent="0">
-              <a:lnSpc>
-                <a:spcPct val="200000"/>
-              </a:lnSpc>
-              <a:buClr>
-                <a:schemeClr val="lt1"/>
-              </a:buClr>
-              <a:buNone/>
-            </a:pPr>
-            <a:endParaRPr lang="ru-RU" sz="1200" dirty="0">
-              <a:solidFill>
-                <a:schemeClr val="tx1"/>
-              </a:solidFill>
-            </a:endParaRPr>
-          </a:p>
-          <a:p>
-            <a:pPr marL="114300" lvl="0" indent="0" algn="l" rtl="0">
-              <a:lnSpc>
-                <a:spcPct val="200000"/>
-              </a:lnSpc>
-              <a:spcBef>
-                <a:spcPts val="0"/>
-              </a:spcBef>
-              <a:spcAft>
-                <a:spcPts val="0"/>
-              </a:spcAft>
-              <a:buClr>
-                <a:schemeClr val="lt1"/>
-              </a:buClr>
-              <a:buSzPts val="1800"/>
-              <a:buNone/>
-            </a:pPr>
-            <a:endParaRPr lang="kk-KZ" dirty="0" smtClean="0">
-              <a:solidFill>
-                <a:schemeClr val="tx1"/>
-              </a:solidFill>
-            </a:endParaRPr>
-          </a:p>
-        </p:txBody>
-      </p:sp>
-      <p:pic>
-        <p:nvPicPr>
-          <p:cNvPr id="2050" name="Picture 2" descr="carbon dioxide emissions Icon - Free PNG &amp; SVG 153802 - Noun Project"/>
-          <p:cNvPicPr>
-            <a:picLocks noChangeAspect="1" noChangeArrowheads="1"/>
-          </p:cNvPicPr>
-          <p:nvPr/>
-        </p:nvPicPr>
-        <p:blipFill>
-          <a:blip r:embed="rId3">
-            <a:extLst>
-              <a:ext uri="{28A0092B-C50C-407E-A947-70E740481C1C}">
-                <a14:useLocalDpi xmlns:a14="http://schemas.microsoft.com/office/drawing/2010/main" val="0"/>
-              </a:ext>
-            </a:extLst>
-          </a:blip>
-          <a:srcRect/>
-          <a:stretch>
-            <a:fillRect/>
-          </a:stretch>
-        </p:blipFill>
-        <p:spPr bwMode="auto">
-          <a:xfrm>
-            <a:off x="1191420" y="1411303"/>
-            <a:ext cx="1905000" cy="1905000"/>
-          </a:xfrm>
-          <a:prstGeom prst="rect">
-            <a:avLst/>
-          </a:prstGeom>
-          <a:noFill/>
-          <a:extLst>
-            <a:ext uri="{909E8E84-426E-40DD-AFC4-6F175D3DCCD1}">
-              <a14:hiddenFill xmlns:a14="http://schemas.microsoft.com/office/drawing/2010/main">
-                <a:solidFill>
-                  <a:srgbClr val="FFFFFF"/>
-                </a:solidFill>
-              </a14:hiddenFill>
-            </a:ext>
-          </a:extLst>
-        </p:spPr>
-      </p:pic>
-      <p:pic>
-        <p:nvPicPr>
-          <p:cNvPr id="2052" name="Picture 4" descr="Air, emissions, factory, gas, greenhouse, pollution icon - Download on  Iconfinder"/>
-          <p:cNvPicPr>
-            <a:picLocks noChangeAspect="1" noChangeArrowheads="1"/>
-          </p:cNvPicPr>
-          <p:nvPr/>
-        </p:nvPicPr>
-        <p:blipFill>
-          <a:blip r:embed="rId4">
-            <a:extLst>
-              <a:ext uri="{28A0092B-C50C-407E-A947-70E740481C1C}">
-                <a14:useLocalDpi xmlns:a14="http://schemas.microsoft.com/office/drawing/2010/main" val="0"/>
-              </a:ext>
-            </a:extLst>
-          </a:blip>
-          <a:srcRect/>
-          <a:stretch>
-            <a:fillRect/>
-          </a:stretch>
-        </p:blipFill>
-        <p:spPr bwMode="auto">
-          <a:xfrm>
-            <a:off x="5403852" y="1017725"/>
-            <a:ext cx="2492058" cy="2492059"/>
-          </a:xfrm>
-          <a:prstGeom prst="rect">
-            <a:avLst/>
-          </a:prstGeom>
-          <a:noFill/>
-          <a:extLst>
-            <a:ext uri="{909E8E84-426E-40DD-AFC4-6F175D3DCCD1}">
-              <a14:hiddenFill xmlns:a14="http://schemas.microsoft.com/office/drawing/2010/main">
-                <a:solidFill>
-                  <a:srgbClr val="FFFFFF"/>
-                </a:solidFill>
-              </a14:hiddenFill>
-            </a:ext>
-          </a:extLst>
-        </p:spPr>
-      </p:pic>
-      <p:sp>
-        <p:nvSpPr>
-          <p:cNvPr id="4" name="Прямоугольник 3"/>
-          <p:cNvSpPr/>
-          <p:nvPr/>
-        </p:nvSpPr>
-        <p:spPr>
-          <a:xfrm>
-            <a:off x="126687" y="3504920"/>
-            <a:ext cx="4562475" cy="954107"/>
-          </a:xfrm>
-          <a:prstGeom prst="rect">
-            <a:avLst/>
-          </a:prstGeom>
-        </p:spPr>
-        <p:txBody>
-          <a:bodyPr wrap="square">
-            <a:spAutoFit/>
-          </a:bodyPr>
-          <a:lstStyle/>
-          <a:p>
-            <a:r>
-              <a:rPr lang="kk-KZ" dirty="0" smtClean="0"/>
-              <a:t>1</a:t>
-            </a:r>
-            <a:r>
-              <a:rPr lang="ru-RU" dirty="0"/>
-              <a:t>. </a:t>
-            </a:r>
-            <a:r>
-              <a:rPr lang="ru-RU" dirty="0" smtClean="0"/>
-              <a:t>Выбросы </a:t>
-            </a:r>
-            <a:r>
-              <a:rPr lang="ru-RU" dirty="0"/>
-              <a:t>парниковых газов от производства и потребления энергии являются ключевым фактором изменения климата, и для их управления статические модели могут быть недостаточны.</a:t>
-            </a:r>
-            <a:endParaRPr lang="ru-RU" dirty="0"/>
-          </a:p>
-        </p:txBody>
-      </p:sp>
-      <p:sp>
-        <p:nvSpPr>
-          <p:cNvPr id="10" name="Прямоугольник 9"/>
-          <p:cNvSpPr/>
-          <p:nvPr/>
-        </p:nvSpPr>
-        <p:spPr>
-          <a:xfrm>
-            <a:off x="5484656" y="3504920"/>
-            <a:ext cx="3773644" cy="954107"/>
-          </a:xfrm>
-          <a:prstGeom prst="rect">
-            <a:avLst/>
-          </a:prstGeom>
-        </p:spPr>
-        <p:txBody>
-          <a:bodyPr wrap="square">
-            <a:spAutoFit/>
-          </a:bodyPr>
-          <a:lstStyle/>
-          <a:p>
-            <a:r>
-              <a:rPr lang="kk-KZ" dirty="0"/>
-              <a:t>2</a:t>
-            </a:r>
-            <a:r>
-              <a:rPr lang="ru-RU" dirty="0"/>
-              <a:t>. </a:t>
-            </a:r>
-            <a:r>
-              <a:rPr lang="ru-RU" dirty="0" smtClean="0"/>
-              <a:t>Нерациональное использование </a:t>
-            </a:r>
-            <a:r>
-              <a:rPr lang="ru-RU" dirty="0"/>
-              <a:t>возобновляемой энергии, либо к увеличению зависимости от ископаемого топлива для удовлетворения дефицита.</a:t>
-            </a:r>
           </a:p>
         </p:txBody>
       </p:sp>
@@ -12955,6 +12533,13 @@
   <p:clrMapOvr>
     <a:masterClrMapping/>
   </p:clrMapOvr>
+  <p:timing>
+    <p:tnLst>
+      <p:par>
+        <p:cTn id="1" dur="indefinite" restart="never" nodeType="tmRoot"/>
+      </p:par>
+    </p:tnLst>
+  </p:timing>
 </p:sld>
 </file>
 
@@ -12995,8 +12580,8 @@
         </p:nvSpPr>
         <p:spPr>
           <a:xfrm>
-            <a:off x="311700" y="445025"/>
-            <a:ext cx="1726650" cy="572700"/>
+            <a:off x="213000" y="63101"/>
+            <a:ext cx="8965245" cy="572700"/>
           </a:xfrm>
           <a:prstGeom prst="rect">
             <a:avLst/>
@@ -13008,15 +12593,16 @@
           </a:bodyPr>
           <a:lstStyle/>
           <a:p>
-            <a:pPr marL="0" lvl="0" indent="0" algn="l" rtl="0">
-              <a:spcBef>
-                <a:spcPts val="0"/>
-              </a:spcBef>
-              <a:spcAft>
-                <a:spcPts val="0"/>
-              </a:spcAft>
-              <a:buNone/>
-            </a:pPr>
+            <a:pPr algn="ctr"/>
+            <a:r>
+              <a:rPr lang="kk-KZ" b="1" dirty="0" smtClean="0">
+                <a:solidFill>
+                  <a:schemeClr val="tx1"/>
+                </a:solidFill>
+                <a:latin typeface="+mn-lt"/>
+              </a:rPr>
+              <a:t>Наше инновационное решение для этой сложной задачи </a:t>
+            </a:r>
             <a:r>
               <a:rPr lang="en-US" b="1" dirty="0" smtClean="0">
                 <a:solidFill>
@@ -13024,7 +12610,7 @@
                 </a:solidFill>
                 <a:latin typeface="+mn-lt"/>
               </a:rPr>
-              <a:t>Solutions </a:t>
+              <a:t> </a:t>
             </a:r>
             <a:endParaRPr b="1" dirty="0">
               <a:solidFill>
@@ -13047,8 +12633,8 @@
         </p:nvSpPr>
         <p:spPr>
           <a:xfrm>
-            <a:off x="213000" y="3893270"/>
-            <a:ext cx="8718000" cy="923280"/>
+            <a:off x="0" y="2783253"/>
+            <a:ext cx="9144000" cy="2201258"/>
           </a:xfrm>
           <a:prstGeom prst="rect">
             <a:avLst/>
@@ -13056,11 +12642,11 @@
         </p:spPr>
         <p:txBody>
           <a:bodyPr spcFirstLastPara="1" wrap="square" lIns="91425" tIns="91425" rIns="91425" bIns="91425" anchor="t" anchorCtr="0">
-            <a:normAutofit fontScale="92500" lnSpcReduction="20000"/>
+            <a:noAutofit/>
           </a:bodyPr>
           <a:lstStyle/>
           <a:p>
-            <a:pPr marL="114300" lvl="0" indent="0">
+            <a:pPr marL="114300" indent="0">
               <a:lnSpc>
                 <a:spcPct val="200000"/>
               </a:lnSpc>
@@ -13070,113 +12656,114 @@
               <a:buNone/>
             </a:pPr>
             <a:r>
-              <a:rPr lang="en-US" sz="1400" dirty="0" smtClean="0">
+              <a:rPr lang="kk-KZ" sz="1100" dirty="0" smtClean="0">
                 <a:solidFill>
                   <a:schemeClr val="tx1"/>
                 </a:solidFill>
                 <a:latin typeface="+mn-lt"/>
               </a:rPr>
-              <a:t>-</a:t>
+              <a:t>Для решения этой задачи мы разработали свою Нейронную сеть</a:t>
             </a:r>
             <a:r>
-              <a:rPr lang="ru-RU" sz="1400" dirty="0" smtClean="0">
+              <a:rPr lang="ru-RU" sz="1100" dirty="0" smtClean="0">
                 <a:solidFill>
                   <a:schemeClr val="tx1"/>
                 </a:solidFill>
                 <a:latin typeface="+mn-lt"/>
               </a:rPr>
-              <a:t>Сокращение </a:t>
+              <a:t>! Традиционные методы как регрессионный анализ, </a:t>
             </a:r>
             <a:r>
-              <a:rPr lang="ru-RU" sz="1400" dirty="0">
+              <a:rPr lang="ru-RU" sz="1100" dirty="0">
                 <a:solidFill>
                   <a:schemeClr val="tx1"/>
                 </a:solidFill>
                 <a:latin typeface="+mn-lt"/>
               </a:rPr>
-              <a:t>выбросов парниковых газов </a:t>
+              <a:t>не учитывают сложные нелинейные зависимости в </a:t>
             </a:r>
             <a:r>
-              <a:rPr lang="ru-RU" sz="1400" dirty="0" smtClean="0">
+              <a:rPr lang="ru-RU" sz="1100" dirty="0" smtClean="0">
                 <a:solidFill>
                   <a:schemeClr val="tx1"/>
                 </a:solidFill>
                 <a:latin typeface="+mn-lt"/>
               </a:rPr>
-              <a:t>за счет управления энергопотреблением используя ИИ. </a:t>
+              <a:t>данных, наша разработка эффективна </a:t>
             </a:r>
-            <a:endParaRPr lang="en-US" sz="1400" dirty="0" smtClean="0">
-              <a:solidFill>
-                <a:schemeClr val="tx1"/>
-              </a:solidFill>
-              <a:latin typeface="+mn-lt"/>
-            </a:endParaRPr>
-          </a:p>
-          <a:p>
-            <a:pPr marL="114300" lvl="0" indent="0">
-              <a:lnSpc>
-                <a:spcPct val="200000"/>
-              </a:lnSpc>
-              <a:buClr>
-                <a:schemeClr val="lt1"/>
-              </a:buClr>
-              <a:buNone/>
-            </a:pPr>
             <a:r>
-              <a:rPr lang="en-US" sz="1400" dirty="0" smtClean="0">
+              <a:rPr lang="ru-RU" sz="1100" dirty="0">
                 <a:solidFill>
                   <a:schemeClr val="tx1"/>
                 </a:solidFill>
                 <a:latin typeface="+mn-lt"/>
               </a:rPr>
-              <a:t>-</a:t>
+              <a:t>в анализе временных рядов, улавливая сложные зависимости и адаптируясь к </a:t>
             </a:r>
             <a:r>
-              <a:rPr lang="ru-RU" sz="1400" dirty="0" smtClean="0">
+              <a:rPr lang="ru-RU" sz="1100" dirty="0" smtClean="0">
                 <a:solidFill>
                   <a:schemeClr val="tx1"/>
                 </a:solidFill>
                 <a:latin typeface="+mn-lt"/>
               </a:rPr>
-              <a:t>Оптимизация </a:t>
+              <a:t>изменениям. </a:t>
             </a:r>
             <a:r>
-              <a:rPr lang="ru-RU" sz="1400" dirty="0">
+              <a:rPr lang="ru-RU" sz="1100" dirty="0">
                 <a:solidFill>
                   <a:schemeClr val="tx1"/>
                 </a:solidFill>
                 <a:latin typeface="+mn-lt"/>
               </a:rPr>
-              <a:t>использования возобновляемых источников энергии для обеспечения </a:t>
+              <a:t>Это критически важно для учета сезонных и дневных колебаний в энергопотреблении. </a:t>
             </a:r>
             <a:r>
-              <a:rPr lang="ru-RU" sz="1400" dirty="0" smtClean="0">
+              <a:rPr lang="ru-RU" sz="1100" dirty="0" smtClean="0">
                 <a:solidFill>
                   <a:schemeClr val="tx1"/>
                 </a:solidFill>
                 <a:latin typeface="+mn-lt"/>
               </a:rPr>
-              <a:t>устойчивого</a:t>
+              <a:t>Она </a:t>
             </a:r>
             <a:r>
-              <a:rPr lang="en-US" sz="1400" dirty="0" smtClean="0">
+              <a:rPr lang="ru-RU" sz="1100" dirty="0">
                 <a:solidFill>
                   <a:schemeClr val="tx1"/>
                 </a:solidFill>
                 <a:latin typeface="+mn-lt"/>
               </a:rPr>
-              <a:t> </a:t>
+              <a:t>также </a:t>
             </a:r>
             <a:r>
-              <a:rPr lang="kk-KZ" sz="1400" dirty="0" smtClean="0">
+              <a:rPr lang="ru-RU" sz="1100" dirty="0" smtClean="0">
                 <a:solidFill>
                   <a:schemeClr val="tx1"/>
                 </a:solidFill>
                 <a:latin typeface="+mn-lt"/>
               </a:rPr>
-              <a:t>развития. </a:t>
+              <a:t>полезна </a:t>
             </a:r>
-            <a:endParaRPr sz="1400" dirty="0" smtClean="0">
+            <a:r>
+              <a:rPr lang="ru-RU" sz="1100" dirty="0">
+                <a:solidFill>
+                  <a:schemeClr val="tx1"/>
+                </a:solidFill>
+                <a:latin typeface="+mn-lt"/>
+              </a:rPr>
+              <a:t>при интеграции возобновляемых источников энергии, таких как солнечные и ветровые фермы, которые подвержены непредсказуемым колебаниям. Точные прогнозы, сделанные с использованием RNN, помогают в управлении загрузкой электросети, предотвращают сбои и поддерживают стабильность системы</a:t>
+            </a:r>
+            <a:r>
+              <a:rPr lang="ru-RU" sz="1100" dirty="0" smtClean="0">
+                <a:solidFill>
+                  <a:schemeClr val="tx1"/>
+                </a:solidFill>
+                <a:latin typeface="+mn-lt"/>
+              </a:rPr>
+              <a:t>..</a:t>
+            </a:r>
+            <a:endParaRPr lang="ru-RU" sz="1100" dirty="0">
               <a:solidFill>
                 <a:schemeClr val="tx1"/>
               </a:solidFill>
@@ -13207,8 +12794,8 @@
         </p:blipFill>
         <p:spPr>
           <a:xfrm>
-            <a:off x="5343525" y="1502950"/>
-            <a:ext cx="3228975" cy="1905095"/>
+            <a:off x="5673537" y="1467677"/>
+            <a:ext cx="2136678" cy="1260640"/>
           </a:xfrm>
           <a:prstGeom prst="rect">
             <a:avLst/>
@@ -13238,8 +12825,8 @@
         </p:blipFill>
         <p:spPr bwMode="auto">
           <a:xfrm>
-            <a:off x="848520" y="1327279"/>
-            <a:ext cx="2859087" cy="2256436"/>
+            <a:off x="1487913" y="1412741"/>
+            <a:ext cx="1736549" cy="1370512"/>
           </a:xfrm>
           <a:prstGeom prst="rect">
             <a:avLst/>
@@ -13261,6 +12848,13 @@
   <p:clrMapOvr>
     <a:masterClrMapping/>
   </p:clrMapOvr>
+  <p:timing>
+    <p:tnLst>
+      <p:par>
+        <p:cTn id="1" dur="indefinite" restart="never" nodeType="tmRoot"/>
+      </p:par>
+    </p:tnLst>
+  </p:timing>
 </p:sld>
 </file>
 
@@ -13314,15 +12908,6 @@
           </a:bodyPr>
           <a:lstStyle/>
           <a:p>
-            <a:pPr marL="0" lvl="0" indent="0" algn="l" rtl="0">
-              <a:spcBef>
-                <a:spcPts val="0"/>
-              </a:spcBef>
-              <a:spcAft>
-                <a:spcPts val="0"/>
-              </a:spcAft>
-              <a:buNone/>
-            </a:pPr>
             <a:r>
               <a:rPr lang="en-US" b="1" dirty="0" smtClean="0">
                 <a:solidFill>
@@ -13379,8 +12964,8 @@
         </p:nvSpPr>
         <p:spPr>
           <a:xfrm>
-            <a:off x="311700" y="3248629"/>
-            <a:ext cx="7572375" cy="1015663"/>
+            <a:off x="311702" y="3248631"/>
+            <a:ext cx="7572375" cy="1200329"/>
           </a:xfrm>
           <a:prstGeom prst="rect">
             <a:avLst/>
@@ -13393,8 +12978,40 @@
           <a:lstStyle/>
           <a:p>
             <a:r>
+              <a:rPr lang="ru-RU" sz="1200" dirty="0" smtClean="0"/>
+              <a:t>Для обучения нашей </a:t>
+            </a:r>
+            <a:r>
+              <a:rPr lang="ru-RU" sz="1200" dirty="0" err="1" smtClean="0"/>
+              <a:t>нейросети</a:t>
+            </a:r>
+            <a:r>
+              <a:rPr lang="ru-RU" sz="1200" dirty="0" smtClean="0"/>
+              <a:t> мы использовали огромный набор </a:t>
+            </a:r>
+            <a:r>
               <a:rPr lang="ru-RU" sz="1200" dirty="0"/>
-              <a:t>Набор данных собран за период с декабря 2010 года по ноябрь 2018 года с разрешением временного шага один час и содержит 70 080 измерений. В дополнение к историческим значениям энергопотребления в набор включена совокупность метеорологических переменных. К метеорологическим переменным относятся атмосферное давление, температура и влажность воздуха, а также скорость ветра и солнечное излучение в заданном месте.</a:t>
+              <a:t>данных </a:t>
+            </a:r>
+            <a:r>
+              <a:rPr lang="ru-RU" sz="1200" dirty="0" smtClean="0"/>
+              <a:t>который собран </a:t>
+            </a:r>
+            <a:r>
+              <a:rPr lang="ru-RU" sz="1200" dirty="0"/>
+              <a:t>за период с декабря 2010 года по ноябрь 2018 года с разрешением временного шага один час и </a:t>
+            </a:r>
+            <a:r>
+              <a:rPr lang="ru-RU" sz="1200" dirty="0" smtClean="0"/>
+              <a:t>он содержит </a:t>
+            </a:r>
+            <a:r>
+              <a:rPr lang="ru-RU" sz="1200" dirty="0"/>
+              <a:t>70 080 измерений. </a:t>
+            </a:r>
+            <a:r>
+              <a:rPr lang="ru-RU" sz="1200" dirty="0"/>
+              <a:t>В дополнение к историческим значениям энергопотребления в набор включена совокупность метеорологических переменных. К метеорологическим переменным относятся атмосферное давление, температура и влажность воздуха, а также скорость ветра и солнечное излучение в заданном месте.</a:t>
             </a:r>
             <a:endParaRPr lang="en-US" sz="1200" dirty="0"/>
           </a:p>
@@ -13410,6 +13027,13 @@
   <p:clrMapOvr>
     <a:masterClrMapping/>
   </p:clrMapOvr>
+  <p:timing>
+    <p:tnLst>
+      <p:par>
+        <p:cTn id="1" dur="indefinite" restart="never" nodeType="tmRoot"/>
+      </p:par>
+    </p:tnLst>
+  </p:timing>
 </p:sld>
 </file>
 
@@ -13465,13 +13089,22 @@
           <a:p>
             <a:pPr lvl="0"/>
             <a:r>
-              <a:rPr lang="en-US" b="1" dirty="0">
+              <a:rPr lang="en-US" b="1" dirty="0" smtClean="0">
                 <a:solidFill>
                   <a:schemeClr val="tx1"/>
                 </a:solidFill>
                 <a:latin typeface="+mn-lt"/>
               </a:rPr>
-              <a:t>Recurrent Neural </a:t>
+              <a:t>Recurrent </a:t>
+            </a:r>
+            <a:r>
+              <a:rPr lang="en-US" b="1" dirty="0">
+                <a:solidFill>
+                  <a:schemeClr val="tx1"/>
+                </a:solidFill>
+                <a:latin typeface="+mn-lt"/>
+              </a:rPr>
+              <a:t>Neural </a:t>
             </a:r>
             <a:r>
               <a:rPr lang="en-US" b="1" dirty="0" smtClean="0">
@@ -13501,7 +13134,7 @@
         </p:nvSpPr>
         <p:spPr bwMode="auto">
           <a:xfrm>
-            <a:off x="155575" y="-144463"/>
+            <a:off x="155575" y="-144462"/>
             <a:ext cx="304800" cy="304801"/>
           </a:xfrm>
           <a:prstGeom prst="rect">
@@ -13540,7 +13173,7 @@
         </p:nvSpPr>
         <p:spPr bwMode="auto">
           <a:xfrm>
-            <a:off x="307975" y="7937"/>
+            <a:off x="307975" y="7939"/>
             <a:ext cx="304800" cy="304801"/>
           </a:xfrm>
           <a:prstGeom prst="rect">
@@ -13590,7 +13223,7 @@
         </p:blipFill>
         <p:spPr bwMode="auto">
           <a:xfrm>
-            <a:off x="1482725" y="874713"/>
+            <a:off x="1482725" y="874715"/>
             <a:ext cx="6388100" cy="2736627"/>
           </a:xfrm>
           <a:prstGeom prst="rect">
@@ -13616,7 +13249,7 @@
         </p:nvSpPr>
         <p:spPr>
           <a:xfrm>
-            <a:off x="612775" y="3611340"/>
+            <a:off x="612775" y="3611341"/>
             <a:ext cx="7226300" cy="954107"/>
           </a:xfrm>
           <a:prstGeom prst="rect">
@@ -13630,12 +13263,24 @@
           <a:lstStyle/>
           <a:p>
             <a:r>
+              <a:rPr lang="ru-RU" dirty="0" smtClean="0"/>
+              <a:t>Наша </a:t>
+            </a:r>
+            <a:r>
               <a:rPr lang="en-US" dirty="0" smtClean="0"/>
-              <a:t>RNN - </a:t>
+              <a:t>RNN </a:t>
             </a:r>
             <a:r>
               <a:rPr lang="ru-RU" dirty="0" smtClean="0"/>
-              <a:t>наилучший </a:t>
+              <a:t>является</a:t>
+            </a:r>
+            <a:r>
+              <a:rPr lang="en-US" dirty="0" smtClean="0"/>
+              <a:t> </a:t>
+            </a:r>
+            <a:r>
+              <a:rPr lang="ru-RU" dirty="0" smtClean="0"/>
+              <a:t>наилучшим </a:t>
             </a:r>
             <a:r>
               <a:rPr lang="ru-RU" dirty="0"/>
@@ -13650,6 +13295,13 @@
   <p:clrMapOvr>
     <a:masterClrMapping/>
   </p:clrMapOvr>
+  <p:timing>
+    <p:tnLst>
+      <p:par>
+        <p:cTn id="1" dur="indefinite" restart="never" nodeType="tmRoot"/>
+      </p:par>
+    </p:tnLst>
+  </p:timing>
 </p:sld>
 </file>
 
@@ -13691,7 +13343,7 @@
         <p:spPr>
           <a:xfrm>
             <a:off x="307975" y="302013"/>
-            <a:ext cx="4622250" cy="572700"/>
+            <a:ext cx="7069102" cy="572700"/>
           </a:xfrm>
           <a:prstGeom prst="rect">
             <a:avLst/>
@@ -13705,13 +13357,13 @@
           <a:p>
             <a:pPr lvl="0"/>
             <a:r>
-              <a:rPr lang="en-US" b="1" dirty="0" smtClean="0">
+              <a:rPr lang="ru-RU" b="1" dirty="0" smtClean="0">
                 <a:solidFill>
                   <a:schemeClr val="tx1"/>
                 </a:solidFill>
                 <a:latin typeface="+mn-lt"/>
               </a:rPr>
-              <a:t>RNN m</a:t>
+              <a:t>Разработка </a:t>
             </a:r>
             <a:r>
               <a:rPr lang="en-US" b="1" dirty="0" smtClean="0">
@@ -13720,7 +13372,25 @@
                 </a:solidFill>
                 <a:latin typeface="+mn-lt"/>
               </a:rPr>
-              <a:t>odel execution steps</a:t>
+              <a:t>RNN</a:t>
+            </a:r>
+            <a:r>
+              <a:rPr lang="ru-RU" b="1" dirty="0" smtClean="0">
+                <a:solidFill>
+                  <a:schemeClr val="tx1"/>
+                </a:solidFill>
+                <a:latin typeface="+mn-lt"/>
+              </a:rPr>
+              <a:t> </a:t>
+            </a:r>
+            <a:r>
+              <a:rPr lang="kk-KZ" b="1" dirty="0" smtClean="0">
+                <a:solidFill>
+                  <a:schemeClr val="tx1"/>
+                </a:solidFill>
+                <a:latin typeface="+mn-lt"/>
+              </a:rPr>
+              <a:t>модели </a:t>
             </a:r>
             <a:endParaRPr b="1" dirty="0">
               <a:solidFill>
@@ -13741,7 +13411,7 @@
         </p:nvSpPr>
         <p:spPr bwMode="auto">
           <a:xfrm>
-            <a:off x="155575" y="-144463"/>
+            <a:off x="155575" y="-144462"/>
             <a:ext cx="304800" cy="304801"/>
           </a:xfrm>
           <a:prstGeom prst="rect">
@@ -13780,7 +13450,7 @@
         </p:nvSpPr>
         <p:spPr bwMode="auto">
           <a:xfrm>
-            <a:off x="307975" y="7937"/>
+            <a:off x="307975" y="7939"/>
             <a:ext cx="304800" cy="304801"/>
           </a:xfrm>
           <a:prstGeom prst="rect">
@@ -13816,14 +13486,14 @@
           <p:nvPr>
             <p:extLst>
               <p:ext uri="{D42A27DB-BD31-4B8C-83A1-F6EECF244321}">
-                <p14:modId xmlns:p14="http://schemas.microsoft.com/office/powerpoint/2010/main" val="195070837"/>
+                <p14:modId xmlns:p14="http://schemas.microsoft.com/office/powerpoint/2010/main" val="3595506157"/>
               </p:ext>
             </p:extLst>
           </p:nvPr>
         </p:nvGraphicFramePr>
         <p:xfrm>
-          <a:off x="241299" y="7937"/>
-          <a:ext cx="8721725" cy="5135563"/>
+          <a:off x="155575" y="1219587"/>
+          <a:ext cx="8739772" cy="3111332"/>
         </p:xfrm>
         <a:graphic>
           <a:graphicData uri="http://schemas.openxmlformats.org/drawingml/2006/diagram">
@@ -13831,6 +13501,55 @@
           </a:graphicData>
         </a:graphic>
       </p:graphicFrame>
+      <p:sp>
+        <p:nvSpPr>
+          <p:cNvPr id="7" name="Прямоугольник 6"/>
+          <p:cNvSpPr/>
+          <p:nvPr/>
+        </p:nvSpPr>
+        <p:spPr>
+          <a:xfrm>
+            <a:off x="612775" y="1016387"/>
+            <a:ext cx="7226300" cy="523220"/>
+          </a:xfrm>
+          <a:prstGeom prst="rect">
+            <a:avLst/>
+          </a:prstGeom>
+        </p:spPr>
+        <p:txBody>
+          <a:bodyPr wrap="square">
+            <a:spAutoFit/>
+          </a:bodyPr>
+          <a:lstStyle/>
+          <a:p>
+            <a:r>
+              <a:rPr lang="kk-KZ" dirty="0" smtClean="0"/>
+              <a:t>Для обучения нейросети, мы использовали </a:t>
+            </a:r>
+            <a:r>
+              <a:rPr lang="en-US" dirty="0" smtClean="0"/>
+              <a:t>Python </a:t>
+            </a:r>
+            <a:r>
+              <a:rPr lang="kk-KZ" dirty="0" smtClean="0"/>
+              <a:t>и его фреймворки</a:t>
+            </a:r>
+            <a:r>
+              <a:rPr lang="en-US" dirty="0" smtClean="0"/>
+              <a:t>.</a:t>
+            </a:r>
+            <a:r>
+              <a:rPr lang="kk-KZ" dirty="0" smtClean="0"/>
+              <a:t> Ниже приведена последовательность обучения</a:t>
+            </a:r>
+            <a:r>
+              <a:rPr lang="en-US" dirty="0"/>
+              <a:t>:</a:t>
+            </a:r>
+            <a:endParaRPr lang="en-US" dirty="0"/>
+          </a:p>
+        </p:txBody>
+      </p:sp>
     </p:spTree>
     <p:extLst>
       <p:ext uri="{BB962C8B-B14F-4D97-AF65-F5344CB8AC3E}">
@@ -13841,6 +13560,13 @@
   <p:clrMapOvr>
     <a:masterClrMapping/>
   </p:clrMapOvr>
+  <p:timing>
+    <p:tnLst>
+      <p:par>
+        <p:cTn id="1" dur="indefinite" restart="never" nodeType="tmRoot"/>
+      </p:par>
+    </p:tnLst>
+  </p:timing>
 </p:sld>
 </file>
 
@@ -13929,8 +13655,8 @@
         </p:blipFill>
         <p:spPr>
           <a:xfrm>
-            <a:off x="1647000" y="745550"/>
-            <a:ext cx="5850004" cy="4093149"/>
+            <a:off x="1376146" y="745550"/>
+            <a:ext cx="5901956" cy="3661443"/>
           </a:xfrm>
           <a:prstGeom prst="rect">
             <a:avLst/>
@@ -13941,11 +13667,51 @@
           </a:ln>
         </p:spPr>
       </p:pic>
+      <p:sp>
+        <p:nvSpPr>
+          <p:cNvPr id="2" name="Прямоугольник 1"/>
+          <p:cNvSpPr/>
+          <p:nvPr/>
+        </p:nvSpPr>
+        <p:spPr>
+          <a:xfrm>
+            <a:off x="914400" y="4406993"/>
+            <a:ext cx="7315200" cy="523220"/>
+          </a:xfrm>
+          <a:prstGeom prst="rect">
+            <a:avLst/>
+          </a:prstGeom>
+        </p:spPr>
+        <p:txBody>
+          <a:bodyPr wrap="square">
+            <a:spAutoFit/>
+          </a:bodyPr>
+          <a:lstStyle/>
+          <a:p>
+            <a:r>
+              <a:rPr lang="kk-KZ" dirty="0" smtClean="0"/>
+              <a:t>На этом графике мы можем увидеть что с каждой итерацией наша нейронная сеть лучше обучается на данных</a:t>
+            </a:r>
+            <a:r>
+              <a:rPr lang="ru-RU" dirty="0" smtClean="0"/>
+              <a:t>.</a:t>
+            </a:r>
+            <a:endParaRPr lang="en-US" dirty="0"/>
+          </a:p>
+        </p:txBody>
+      </p:sp>
     </p:spTree>
   </p:cSld>
   <p:clrMapOvr>
     <a:masterClrMapping/>
   </p:clrMapOvr>
+  <p:timing>
+    <p:tnLst>
+      <p:par>
+        <p:cTn id="1" dur="indefinite" restart="never" nodeType="tmRoot"/>
+      </p:par>
+    </p:tnLst>
+  </p:timing>
 </p:sld>
 </file>
 
@@ -14001,10 +13767,10 @@
           <a:p>
             <a:pPr lvl="0"/>
             <a:r>
-              <a:rPr lang="en-US" sz="2500" b="1" dirty="0" smtClean="0">
+              <a:rPr lang="kk-KZ" sz="2500" b="1" dirty="0" smtClean="0">
                 <a:latin typeface="+mn-lt"/>
               </a:rPr>
-              <a:t>Evaluation of the Model</a:t>
+              <a:t>Расчет точности модели</a:t>
             </a:r>
             <a:endParaRPr sz="2500" b="1" dirty="0">
               <a:solidFill>
@@ -14040,13 +13806,7 @@
           </a:bodyPr>
           <a:lstStyle/>
           <a:p>
-            <a:pPr marL="0" lvl="0" indent="0" algn="l" rtl="0">
-              <a:spcBef>
-                <a:spcPts val="0"/>
-              </a:spcBef>
-              <a:spcAft>
-                <a:spcPts val="0"/>
-              </a:spcAft>
+            <a:pPr marL="0" indent="0">
               <a:buNone/>
             </a:pPr>
             <a:r>
@@ -14072,13 +13832,7 @@
             </a:endParaRPr>
           </a:p>
           <a:p>
-            <a:pPr marL="0" lvl="0" indent="0" algn="l" rtl="0">
-              <a:spcBef>
-                <a:spcPts val="0"/>
-              </a:spcBef>
-              <a:spcAft>
-                <a:spcPts val="0"/>
-              </a:spcAft>
+            <a:pPr marL="0" indent="0">
               <a:buNone/>
             </a:pPr>
             <a:r>
@@ -14104,13 +13858,7 @@
             </a:endParaRPr>
           </a:p>
           <a:p>
-            <a:pPr marL="0" lvl="0" indent="0" algn="l" rtl="0">
-              <a:spcBef>
-                <a:spcPts val="0"/>
-              </a:spcBef>
-              <a:spcAft>
-                <a:spcPts val="0"/>
-              </a:spcAft>
+            <a:pPr marL="0" indent="0">
               <a:buNone/>
             </a:pPr>
             <a:r>
@@ -14159,13 +13907,7 @@
             </a:endParaRPr>
           </a:p>
           <a:p>
-            <a:pPr marL="0" lvl="0" indent="0" algn="l" rtl="0">
-              <a:spcBef>
-                <a:spcPts val="0"/>
-              </a:spcBef>
-              <a:spcAft>
-                <a:spcPts val="0"/>
-              </a:spcAft>
+            <a:pPr marL="0" indent="0">
               <a:buNone/>
             </a:pPr>
             <a:r>
@@ -14191,13 +13933,7 @@
             </a:endParaRPr>
           </a:p>
           <a:p>
-            <a:pPr marL="0" lvl="0" indent="0" algn="l" rtl="0">
-              <a:spcBef>
-                <a:spcPts val="0"/>
-              </a:spcBef>
-              <a:spcAft>
-                <a:spcPts val="0"/>
-              </a:spcAft>
+            <a:pPr marL="0" indent="0">
               <a:buNone/>
             </a:pPr>
             <a:r>
@@ -14223,13 +13959,7 @@
             </a:endParaRPr>
           </a:p>
           <a:p>
-            <a:pPr marL="0" lvl="0" indent="0" algn="l" rtl="0">
-              <a:spcBef>
-                <a:spcPts val="0"/>
-              </a:spcBef>
-              <a:spcAft>
-                <a:spcPts val="0"/>
-              </a:spcAft>
+            <a:pPr marL="0" indent="0">
               <a:buNone/>
             </a:pPr>
             <a:r>
@@ -14255,13 +13985,7 @@
             </a:endParaRPr>
           </a:p>
           <a:p>
-            <a:pPr marL="0" lvl="0" indent="0" algn="l" rtl="0">
-              <a:spcBef>
-                <a:spcPts val="0"/>
-              </a:spcBef>
-              <a:spcAft>
-                <a:spcPts val="0"/>
-              </a:spcAft>
+            <a:pPr marL="0" indent="0">
               <a:buNone/>
             </a:pPr>
             <a:r>
@@ -14287,16 +14011,13 @@
             </a:endParaRPr>
           </a:p>
           <a:p>
-            <a:pPr marL="0" lvl="0" indent="0" algn="l" rtl="0">
+            <a:pPr marL="0" indent="0">
               <a:lnSpc>
                 <a:spcPct val="100000"/>
               </a:lnSpc>
               <a:spcBef>
                 <a:spcPts val="1000"/>
               </a:spcBef>
-              <a:spcAft>
-                <a:spcPts val="0"/>
-              </a:spcAft>
               <a:buNone/>
             </a:pPr>
             <a:endParaRPr sz="800" dirty="0">
@@ -14310,16 +14031,13 @@
             </a:endParaRPr>
           </a:p>
           <a:p>
-            <a:pPr marL="0" lvl="0" indent="0" algn="l" rtl="0">
+            <a:pPr marL="0" indent="0">
               <a:lnSpc>
                 <a:spcPct val="100000"/>
               </a:lnSpc>
               <a:spcBef>
                 <a:spcPts val="1000"/>
               </a:spcBef>
-              <a:spcAft>
-                <a:spcPts val="0"/>
-              </a:spcAft>
               <a:buNone/>
             </a:pPr>
             <a:endParaRPr sz="800" dirty="0">
@@ -14333,16 +14051,10 @@
             </a:endParaRPr>
           </a:p>
           <a:p>
-            <a:pPr marL="0" lvl="0" indent="0" algn="l" rtl="0">
+            <a:pPr marL="0" indent="0">
               <a:lnSpc>
                 <a:spcPct val="100000"/>
               </a:lnSpc>
-              <a:spcBef>
-                <a:spcPts val="0"/>
-              </a:spcBef>
-              <a:spcAft>
-                <a:spcPts val="0"/>
-              </a:spcAft>
               <a:buNone/>
             </a:pPr>
             <a:endParaRPr sz="800" dirty="0">
@@ -14356,16 +14068,10 @@
             </a:endParaRPr>
           </a:p>
           <a:p>
-            <a:pPr marL="0" lvl="0" indent="0" algn="l" rtl="0">
+            <a:pPr marL="0" indent="0">
               <a:lnSpc>
                 <a:spcPct val="100000"/>
               </a:lnSpc>
-              <a:spcBef>
-                <a:spcPts val="0"/>
-              </a:spcBef>
-              <a:spcAft>
-                <a:spcPts val="0"/>
-              </a:spcAft>
               <a:buNone/>
             </a:pPr>
             <a:r>
@@ -14391,16 +14097,10 @@
             </a:endParaRPr>
           </a:p>
           <a:p>
-            <a:pPr marL="0" lvl="0" indent="0" algn="l" rtl="0">
+            <a:pPr marL="0" indent="0">
               <a:lnSpc>
                 <a:spcPct val="100000"/>
               </a:lnSpc>
-              <a:spcBef>
-                <a:spcPts val="0"/>
-              </a:spcBef>
-              <a:spcAft>
-                <a:spcPts val="0"/>
-              </a:spcAft>
               <a:buNone/>
             </a:pPr>
             <a:r>
@@ -14426,16 +14126,10 @@
             </a:endParaRPr>
           </a:p>
           <a:p>
-            <a:pPr marL="0" lvl="0" indent="0" algn="l" rtl="0">
+            <a:pPr marL="0" indent="0">
               <a:lnSpc>
                 <a:spcPct val="100000"/>
               </a:lnSpc>
-              <a:spcBef>
-                <a:spcPts val="0"/>
-              </a:spcBef>
-              <a:spcAft>
-                <a:spcPts val="0"/>
-              </a:spcAft>
               <a:buNone/>
             </a:pPr>
             <a:r>
@@ -14461,16 +14155,10 @@
             </a:endParaRPr>
           </a:p>
           <a:p>
-            <a:pPr marL="0" lvl="0" indent="0" algn="l" rtl="0">
+            <a:pPr marL="0" indent="0">
               <a:lnSpc>
                 <a:spcPct val="100000"/>
               </a:lnSpc>
-              <a:spcBef>
-                <a:spcPts val="0"/>
-              </a:spcBef>
-              <a:spcAft>
-                <a:spcPts val="0"/>
-              </a:spcAft>
               <a:buNone/>
             </a:pPr>
             <a:r>
@@ -14496,16 +14184,10 @@
             </a:endParaRPr>
           </a:p>
           <a:p>
-            <a:pPr marL="0" lvl="0" indent="0" algn="l" rtl="0">
+            <a:pPr marL="0" indent="0">
               <a:lnSpc>
                 <a:spcPct val="100000"/>
               </a:lnSpc>
-              <a:spcBef>
-                <a:spcPts val="0"/>
-              </a:spcBef>
-              <a:spcAft>
-                <a:spcPts val="0"/>
-              </a:spcAft>
               <a:buNone/>
             </a:pPr>
             <a:endParaRPr sz="800" dirty="0">
@@ -14519,16 +14201,10 @@
             </a:endParaRPr>
           </a:p>
           <a:p>
-            <a:pPr marL="0" lvl="0" indent="0" algn="l" rtl="0">
+            <a:pPr marL="0" indent="0">
               <a:lnSpc>
                 <a:spcPct val="100000"/>
               </a:lnSpc>
-              <a:spcBef>
-                <a:spcPts val="0"/>
-              </a:spcBef>
-              <a:spcAft>
-                <a:spcPts val="0"/>
-              </a:spcAft>
               <a:buNone/>
             </a:pPr>
             <a:r>
@@ -14554,16 +14230,10 @@
             </a:endParaRPr>
           </a:p>
           <a:p>
-            <a:pPr marL="0" lvl="0" indent="0" algn="l" rtl="0">
+            <a:pPr marL="0" indent="0">
               <a:lnSpc>
                 <a:spcPct val="100000"/>
               </a:lnSpc>
-              <a:spcBef>
-                <a:spcPts val="0"/>
-              </a:spcBef>
-              <a:spcAft>
-                <a:spcPts val="0"/>
-              </a:spcAft>
               <a:buNone/>
             </a:pPr>
             <a:r>
@@ -14589,16 +14259,10 @@
             </a:endParaRPr>
           </a:p>
           <a:p>
-            <a:pPr marL="0" lvl="0" indent="0" algn="l" rtl="0">
+            <a:pPr marL="0" indent="0">
               <a:lnSpc>
                 <a:spcPct val="100000"/>
               </a:lnSpc>
-              <a:spcBef>
-                <a:spcPts val="0"/>
-              </a:spcBef>
-              <a:spcAft>
-                <a:spcPts val="0"/>
-              </a:spcAft>
               <a:buNone/>
             </a:pPr>
             <a:r>
@@ -14624,16 +14288,10 @@
             </a:endParaRPr>
           </a:p>
           <a:p>
-            <a:pPr marL="0" lvl="0" indent="0" algn="l" rtl="0">
+            <a:pPr marL="0" indent="0">
               <a:lnSpc>
                 <a:spcPct val="100000"/>
               </a:lnSpc>
-              <a:spcBef>
-                <a:spcPts val="0"/>
-              </a:spcBef>
-              <a:spcAft>
-                <a:spcPts val="0"/>
-              </a:spcAft>
               <a:buNone/>
             </a:pPr>
             <a:r>
@@ -14659,16 +14317,13 @@
             </a:endParaRPr>
           </a:p>
           <a:p>
-            <a:pPr marL="0" lvl="0" indent="0" algn="l" rtl="0">
+            <a:pPr marL="0" indent="0">
               <a:lnSpc>
                 <a:spcPct val="100000"/>
               </a:lnSpc>
               <a:spcBef>
                 <a:spcPts val="1000"/>
               </a:spcBef>
-              <a:spcAft>
-                <a:spcPts val="0"/>
-              </a:spcAft>
               <a:buNone/>
             </a:pPr>
             <a:endParaRPr sz="800" dirty="0">
@@ -14708,15 +14363,6 @@
           </a:bodyPr>
           <a:lstStyle/>
           <a:p>
-            <a:pPr marL="0" lvl="0" indent="0" algn="l" rtl="0">
-              <a:spcBef>
-                <a:spcPts val="0"/>
-              </a:spcBef>
-              <a:spcAft>
-                <a:spcPts val="0"/>
-              </a:spcAft>
-              <a:buNone/>
-            </a:pPr>
             <a:r>
               <a:rPr lang="ru" sz="800" dirty="0">
                 <a:solidFill>
@@ -14758,17 +14404,10 @@
           </a:bodyPr>
           <a:lstStyle/>
           <a:p>
-            <a:pPr marL="0" lvl="0" indent="0" algn="l" rtl="0">
+            <a:pPr>
               <a:lnSpc>
                 <a:spcPct val="90000"/>
               </a:lnSpc>
-              <a:spcBef>
-                <a:spcPts val="0"/>
-              </a:spcBef>
-              <a:spcAft>
-                <a:spcPts val="0"/>
-              </a:spcAft>
-              <a:buNone/>
             </a:pPr>
             <a:r>
               <a:rPr lang="ru" sz="800" dirty="0">
@@ -14785,17 +14424,10 @@
             </a:endParaRPr>
           </a:p>
           <a:p>
-            <a:pPr marL="0" lvl="0" indent="0" algn="l" rtl="0">
+            <a:pPr>
               <a:lnSpc>
                 <a:spcPct val="90000"/>
               </a:lnSpc>
-              <a:spcBef>
-                <a:spcPts val="0"/>
-              </a:spcBef>
-              <a:spcAft>
-                <a:spcPts val="0"/>
-              </a:spcAft>
-              <a:buNone/>
             </a:pPr>
             <a:r>
               <a:rPr lang="ru" sz="800" dirty="0">
@@ -14812,17 +14444,10 @@
             </a:endParaRPr>
           </a:p>
           <a:p>
-            <a:pPr marL="0" lvl="0" indent="0" algn="l" rtl="0">
+            <a:pPr>
               <a:lnSpc>
                 <a:spcPct val="90000"/>
               </a:lnSpc>
-              <a:spcBef>
-                <a:spcPts val="0"/>
-              </a:spcBef>
-              <a:spcAft>
-                <a:spcPts val="0"/>
-              </a:spcAft>
-              <a:buNone/>
             </a:pPr>
             <a:r>
               <a:rPr lang="ru" sz="800" dirty="0">
@@ -14840,11 +14465,61 @@
           </a:p>
         </p:txBody>
       </p:sp>
+      <p:sp>
+        <p:nvSpPr>
+          <p:cNvPr id="2" name="Прямоугольник 1"/>
+          <p:cNvSpPr/>
+          <p:nvPr/>
+        </p:nvSpPr>
+        <p:spPr>
+          <a:xfrm>
+            <a:off x="4236425" y="3689351"/>
+            <a:ext cx="4164625" cy="523220"/>
+          </a:xfrm>
+          <a:prstGeom prst="rect">
+            <a:avLst/>
+          </a:prstGeom>
+        </p:spPr>
+        <p:txBody>
+          <a:bodyPr wrap="square">
+            <a:spAutoFit/>
+          </a:bodyPr>
+          <a:lstStyle/>
+          <a:p>
+            <a:r>
+              <a:rPr lang="kk-KZ" dirty="0" smtClean="0"/>
+              <a:t>В расчете точности модели показазывается что</a:t>
+            </a:r>
+          </a:p>
+          <a:p>
+            <a:r>
+              <a:rPr lang="kk-KZ" dirty="0" smtClean="0"/>
+              <a:t>Точность модели 98</a:t>
+            </a:r>
+            <a:r>
+              <a:rPr lang="ru-RU" dirty="0" smtClean="0"/>
+              <a:t>%</a:t>
+            </a:r>
+            <a:r>
+              <a:rPr lang="kk-KZ" dirty="0" smtClean="0"/>
+              <a:t> </a:t>
+            </a:r>
+            <a:endParaRPr lang="en-US" dirty="0"/>
+          </a:p>
+        </p:txBody>
+      </p:sp>
     </p:spTree>
   </p:cSld>
   <p:clrMapOvr>
     <a:masterClrMapping/>
   </p:clrMapOvr>
+  <p:timing>
+    <p:tnLst>
+      <p:par>
+        <p:cTn id="1" dur="indefinite" restart="never" nodeType="tmRoot"/>
+      </p:par>
+    </p:tnLst>
+  </p:timing>
 </p:sld>
 </file>
 
@@ -14898,17 +14573,8 @@
           </a:bodyPr>
           <a:lstStyle/>
           <a:p>
-            <a:pPr marL="0" lvl="0" indent="0" algn="l" rtl="0">
-              <a:spcBef>
-                <a:spcPts val="0"/>
-              </a:spcBef>
-              <a:spcAft>
-                <a:spcPts val="0"/>
-              </a:spcAft>
-              <a:buNone/>
-            </a:pPr>
             <a:r>
-              <a:rPr lang="ru" sz="2500" b="1" dirty="0" smtClean="0"/>
+              <a:rPr lang="ru" sz="2500" b="1" dirty="0"/>
               <a:t>Actual </a:t>
             </a:r>
             <a:r>
@@ -14935,7 +14601,7 @@
         </p:blipFill>
         <p:spPr>
           <a:xfrm>
-            <a:off x="560662" y="745550"/>
+            <a:off x="560664" y="745550"/>
             <a:ext cx="8022675" cy="4057650"/>
           </a:xfrm>
           <a:prstGeom prst="rect">
@@ -14948,6 +14614,13 @@
   <p:clrMapOvr>
     <a:masterClrMapping/>
   </p:clrMapOvr>
+  <p:timing>
+    <p:tnLst>
+      <p:par>
+        <p:cTn id="1" dur="indefinite" restart="never" nodeType="tmRoot"/>
+      </p:par>
+    </p:tnLst>
+  </p:timing>
 </p:sld>
 </file>
 
